--- a/PPT/10_线性系统.pptx
+++ b/PPT/10_线性系统.pptx
@@ -332,7 +332,7 @@
               <a:pPr>
                 <a:defRPr/>
               </a:pPr>
-              <a:t>2017/8/10</a:t>
+              <a:t>2017/8/14</a:t>
             </a:fld>
             <a:endParaRPr lang="zh-CN" altLang="en-US" sz="1200"/>
           </a:p>
@@ -4355,8 +4355,8 @@
           </a:p>
         </p:txBody>
       </p:sp>
-      <mc:AlternateContent xmlns:mc="http://schemas.openxmlformats.org/markup-compatibility/2006">
-        <mc:Choice xmlns:a14="http://schemas.microsoft.com/office/drawing/2010/main" Requires="a14">
+      <mc:AlternateContent xmlns:mc="http://schemas.openxmlformats.org/markup-compatibility/2006" xmlns:a14="http://schemas.microsoft.com/office/drawing/2010/main">
+        <mc:Choice Requires="a14">
           <p:sp>
             <p:nvSpPr>
               <p:cNvPr id="4" name="Content Placeholder 3">
@@ -4890,7 +4890,7 @@
             </p:txBody>
           </p:sp>
         </mc:Choice>
-        <mc:Fallback>
+        <mc:Fallback xmlns="">
           <p:sp>
             <p:nvSpPr>
               <p:cNvPr id="4" name="Content Placeholder 3">
@@ -5101,8 +5101,8 @@
           </a:p>
         </p:txBody>
       </p:sp>
-      <mc:AlternateContent xmlns:mc="http://schemas.openxmlformats.org/markup-compatibility/2006">
-        <mc:Choice xmlns:a14="http://schemas.microsoft.com/office/drawing/2010/main" Requires="a14">
+      <mc:AlternateContent xmlns:mc="http://schemas.openxmlformats.org/markup-compatibility/2006" xmlns:a14="http://schemas.microsoft.com/office/drawing/2010/main">
+        <mc:Choice Requires="a14">
           <p:sp>
             <p:nvSpPr>
               <p:cNvPr id="4" name="Content Placeholder 3">
@@ -6041,7 +6041,7 @@
             </p:txBody>
           </p:sp>
         </mc:Choice>
-        <mc:Fallback>
+        <mc:Fallback xmlns="">
           <p:sp>
             <p:nvSpPr>
               <p:cNvPr id="4" name="Content Placeholder 3">
@@ -6257,8 +6257,8 @@
           </a:p>
         </p:txBody>
       </p:sp>
-      <mc:AlternateContent xmlns:mc="http://schemas.openxmlformats.org/markup-compatibility/2006">
-        <mc:Choice xmlns:a14="http://schemas.microsoft.com/office/drawing/2010/main" Requires="a14">
+      <mc:AlternateContent xmlns:mc="http://schemas.openxmlformats.org/markup-compatibility/2006" xmlns:a14="http://schemas.microsoft.com/office/drawing/2010/main">
+        <mc:Choice Requires="a14">
           <p:sp>
             <p:nvSpPr>
               <p:cNvPr id="4" name="Content Placeholder 3">
@@ -7604,7 +7604,7 @@
             </p:txBody>
           </p:sp>
         </mc:Choice>
-        <mc:Fallback>
+        <mc:Fallback xmlns="">
           <p:sp>
             <p:nvSpPr>
               <p:cNvPr id="4" name="Content Placeholder 3">
@@ -7820,8 +7820,8 @@
           </a:p>
         </p:txBody>
       </p:sp>
-      <mc:AlternateContent xmlns:mc="http://schemas.openxmlformats.org/markup-compatibility/2006">
-        <mc:Choice xmlns:a14="http://schemas.microsoft.com/office/drawing/2010/main" Requires="a14">
+      <mc:AlternateContent xmlns:mc="http://schemas.openxmlformats.org/markup-compatibility/2006" xmlns:a14="http://schemas.microsoft.com/office/drawing/2010/main">
+        <mc:Choice Requires="a14">
           <p:sp>
             <p:nvSpPr>
               <p:cNvPr id="4" name="Content Placeholder 3">
@@ -9167,7 +9167,7 @@
             </p:txBody>
           </p:sp>
         </mc:Choice>
-        <mc:Fallback>
+        <mc:Fallback xmlns="">
           <p:sp>
             <p:nvSpPr>
               <p:cNvPr id="4" name="Content Placeholder 3">
@@ -11334,6 +11334,19 @@
                                   </m:e>
                                   <m:e>
                                     <m:r>
+                                      <a:rPr lang="en-US" altLang="zh-CN" sz="2000" b="0" i="1" smtClean="0">
+                                        <a:solidFill>
+                                          <a:schemeClr val="tx1">
+                                            <a:lumMod val="65000"/>
+                                            <a:lumOff val="35000"/>
+                                          </a:schemeClr>
+                                        </a:solidFill>
+                                        <a:latin typeface="Cambria Math" panose="02040503050406030204" pitchFamily="18" charset="0"/>
+                                        <a:ea typeface="微软雅黑 Light" panose="020B0502040204020203" pitchFamily="34" charset="-122"/>
+                                      </a:rPr>
+                                      <m:t>−</m:t>
+                                    </m:r>
+                                    <m:r>
                                       <a:rPr lang="en-US" altLang="zh-CN" sz="2000" i="1">
                                         <a:solidFill>
                                           <a:schemeClr val="tx1">
@@ -12072,8 +12085,8 @@
           </a:p>
         </p:txBody>
       </p:sp>
-      <mc:AlternateContent xmlns:mc="http://schemas.openxmlformats.org/markup-compatibility/2006">
-        <mc:Choice xmlns:a14="http://schemas.microsoft.com/office/drawing/2010/main" Requires="a14">
+      <mc:AlternateContent xmlns:mc="http://schemas.openxmlformats.org/markup-compatibility/2006" xmlns:a14="http://schemas.microsoft.com/office/drawing/2010/main">
+        <mc:Choice Requires="a14">
           <p:sp>
             <p:nvSpPr>
               <p:cNvPr id="4" name="Content Placeholder 3">
@@ -12891,7 +12904,7 @@
             </p:txBody>
           </p:sp>
         </mc:Choice>
-        <mc:Fallback>
+        <mc:Fallback xmlns="">
           <p:sp>
             <p:nvSpPr>
               <p:cNvPr id="4" name="Content Placeholder 3">
@@ -13428,20 +13441,7 @@
                                     <a:latin typeface="Cambria Math" panose="02040503050406030204" pitchFamily="18" charset="0"/>
                                     <a:ea typeface="微软雅黑 Light" panose="020B0502040204020203" pitchFamily="34" charset="-122"/>
                                   </a:rPr>
-                                  <m:t>  </m:t>
-                                </m:r>
-                                <m:r>
-                                  <a:rPr lang="en-US" altLang="zh-CN" sz="2400" i="1">
-                                    <a:solidFill>
-                                      <a:schemeClr val="tx1">
-                                        <a:lumMod val="65000"/>
-                                        <a:lumOff val="35000"/>
-                                      </a:schemeClr>
-                                    </a:solidFill>
-                                    <a:latin typeface="Cambria Math" panose="02040503050406030204" pitchFamily="18" charset="0"/>
-                                    <a:ea typeface="微软雅黑 Light" panose="020B0502040204020203" pitchFamily="34" charset="-122"/>
-                                  </a:rPr>
-                                  <m:t>3</m:t>
+                                  <m:t>  3</m:t>
                                 </m:r>
                                 <m:r>
                                   <a:rPr lang="en-US" altLang="zh-CN" sz="2400" i="1">
@@ -13644,33 +13644,7 @@
                                     <a:latin typeface="Cambria Math" panose="02040503050406030204" pitchFamily="18" charset="0"/>
                                     <a:ea typeface="微软雅黑 Light" panose="020B0502040204020203" pitchFamily="34" charset="-122"/>
                                   </a:rPr>
-                                  <m:t>=</m:t>
-                                </m:r>
-                                <m:r>
-                                  <a:rPr lang="en-US" altLang="zh-CN" sz="2400" i="1">
-                                    <a:solidFill>
-                                      <a:schemeClr val="tx1">
-                                        <a:lumMod val="65000"/>
-                                        <a:lumOff val="35000"/>
-                                      </a:schemeClr>
-                                    </a:solidFill>
-                                    <a:latin typeface="Cambria Math" panose="02040503050406030204" pitchFamily="18" charset="0"/>
-                                    <a:ea typeface="微软雅黑 Light" panose="020B0502040204020203" pitchFamily="34" charset="-122"/>
-                                  </a:rPr>
-                                  <m:t>−</m:t>
-                                </m:r>
-                                <m:r>
-                                  <a:rPr lang="en-US" altLang="zh-CN" sz="2400" i="1">
-                                    <a:solidFill>
-                                      <a:schemeClr val="tx1">
-                                        <a:lumMod val="65000"/>
-                                        <a:lumOff val="35000"/>
-                                      </a:schemeClr>
-                                    </a:solidFill>
-                                    <a:latin typeface="Cambria Math" panose="02040503050406030204" pitchFamily="18" charset="0"/>
-                                    <a:ea typeface="微软雅黑 Light" panose="020B0502040204020203" pitchFamily="34" charset="-122"/>
-                                  </a:rPr>
-                                  <m:t>5</m:t>
+                                  <m:t>=−5</m:t>
                                 </m:r>
                               </m:e>
                             </m:mr>
@@ -13781,7 +13755,7 @@
                                         <a:latin typeface="Cambria Math" panose="02040503050406030204" pitchFamily="18" charset="0"/>
                                         <a:ea typeface="微软雅黑 Light" panose="020B0502040204020203" pitchFamily="34" charset="-122"/>
                                       </a:rPr>
-                                      <m:t>-</m:t>
+                                      <m:t>−</m:t>
                                     </m:r>
                                     <m:r>
                                       <a:rPr lang="en-US" altLang="zh-CN" sz="2400" i="1">
@@ -13894,6 +13868,16 @@
                                   </m:e>
                                   <m:e>
                                     <m:r>
+                                      <a:rPr lang="en-US" altLang="zh-CN" sz="2400" b="0" i="1" smtClean="0">
+                                        <a:solidFill>
+                                          <a:srgbClr val="C00000"/>
+                                        </a:solidFill>
+                                        <a:latin typeface="Cambria Math" panose="02040503050406030204" pitchFamily="18" charset="0"/>
+                                        <a:ea typeface="微软雅黑 Light" panose="020B0502040204020203" pitchFamily="34" charset="-122"/>
+                                      </a:rPr>
+                                      <m:t>−</m:t>
+                                    </m:r>
+                                    <m:r>
                                       <a:rPr lang="en-US" altLang="zh-CN" sz="2400" i="1">
                                         <a:solidFill>
                                           <a:srgbClr val="C00000"/>
@@ -13925,17 +13909,7 @@
                                         <a:latin typeface="Cambria Math" panose="02040503050406030204" pitchFamily="18" charset="0"/>
                                         <a:ea typeface="微软雅黑 Light" panose="020B0502040204020203" pitchFamily="34" charset="-122"/>
                                       </a:rPr>
-                                      <m:t>-</m:t>
-                                    </m:r>
-                                    <m:r>
-                                      <a:rPr lang="en-US" altLang="zh-CN" sz="2400" i="1">
-                                        <a:solidFill>
-                                          <a:srgbClr val="C00000"/>
-                                        </a:solidFill>
-                                        <a:latin typeface="Cambria Math" panose="02040503050406030204" pitchFamily="18" charset="0"/>
-                                        <a:ea typeface="微软雅黑 Light" panose="020B0502040204020203" pitchFamily="34" charset="-122"/>
-                                      </a:rPr>
-                                      <m:t>5</m:t>
+                                      <m:t>−5</m:t>
                                     </m:r>
                                   </m:e>
                                 </m:mr>

--- a/PPT/10_线性系统.pptx
+++ b/PPT/10_线性系统.pptx
@@ -8,7 +8,7 @@
     <p:notesMasterId r:id="rId11"/>
   </p:notesMasterIdLst>
   <p:sldIdLst>
-    <p:sldId id="256" r:id="rId2"/>
+    <p:sldId id="273" r:id="rId2"/>
     <p:sldId id="257" r:id="rId3"/>
     <p:sldId id="269" r:id="rId4"/>
     <p:sldId id="270" r:id="rId5"/>
@@ -16,7 +16,7 @@
     <p:sldId id="272" r:id="rId7"/>
     <p:sldId id="260" r:id="rId8"/>
     <p:sldId id="261" r:id="rId9"/>
-    <p:sldId id="259" r:id="rId10"/>
+    <p:sldId id="274" r:id="rId10"/>
   </p:sldIdLst>
   <p:sldSz cx="9144000" cy="5143500" type="screen16x9"/>
   <p:notesSz cx="6858000" cy="9144000"/>
@@ -332,7 +332,7 @@
               <a:pPr>
                 <a:defRPr/>
               </a:pPr>
-              <a:t>2017/8/14</a:t>
+              <a:t>2017/10/9</a:t>
             </a:fld>
             <a:endParaRPr lang="zh-CN" altLang="en-US" sz="1200"/>
           </a:p>
@@ -3180,66 +3180,6 @@
           <a:chExt cx="0" cy="0"/>
         </a:xfrm>
       </p:grpSpPr>
-      <p:pic>
-        <p:nvPicPr>
-          <p:cNvPr id="2050" name="Picture 2" descr="D:\work\CSDN学院ppt\5.jpg">
-            <a:extLst>
-              <a:ext uri="{FF2B5EF4-FFF2-40B4-BE49-F238E27FC236}">
-                <a16:creationId xmlns:a16="http://schemas.microsoft.com/office/drawing/2014/main" id="{B1E9848E-751E-4B3D-A7EF-6C54DCF329D3}"/>
-              </a:ext>
-            </a:extLst>
-          </p:cNvPr>
-          <p:cNvPicPr>
-            <a:picLocks noChangeAspect="1" noChangeArrowheads="1"/>
-          </p:cNvPicPr>
-          <p:nvPr/>
-        </p:nvPicPr>
-        <p:blipFill>
-          <a:blip r:embed="rId2">
-            <a:extLst>
-              <a:ext uri="{28A0092B-C50C-407E-A947-70E740481C1C}">
-                <a14:useLocalDpi xmlns:a14="http://schemas.microsoft.com/office/drawing/2010/main" val="0"/>
-              </a:ext>
-            </a:extLst>
-          </a:blip>
-          <a:srcRect/>
-          <a:stretch>
-            <a:fillRect/>
-          </a:stretch>
-        </p:blipFill>
-        <p:spPr bwMode="auto">
-          <a:xfrm>
-            <a:off x="0" y="0"/>
-            <a:ext cx="9140825" cy="5141913"/>
-          </a:xfrm>
-          <a:prstGeom prst="rect">
-            <a:avLst/>
-          </a:prstGeom>
-          <a:noFill/>
-          <a:ln>
-            <a:noFill/>
-          </a:ln>
-          <a:extLst>
-            <a:ext uri="{909E8E84-426E-40DD-AFC4-6F175D3DCCD1}">
-              <a14:hiddenFill xmlns:a14="http://schemas.microsoft.com/office/drawing/2010/main">
-                <a:solidFill>
-                  <a:srgbClr val="FFFFFF"/>
-                </a:solidFill>
-              </a14:hiddenFill>
-            </a:ext>
-            <a:ext uri="{91240B29-F687-4F45-9708-019B960494DF}">
-              <a14:hiddenLine xmlns:a14="http://schemas.microsoft.com/office/drawing/2010/main" w="9525">
-                <a:solidFill>
-                  <a:srgbClr val="000000"/>
-                </a:solidFill>
-                <a:miter lim="800000"/>
-                <a:headEnd/>
-                <a:tailEnd/>
-              </a14:hiddenLine>
-            </a:ext>
-          </a:extLst>
-        </p:spPr>
-      </p:pic>
       <p:sp>
         <p:nvSpPr>
           <p:cNvPr id="3075" name="Title 1">
@@ -3256,8 +3196,8 @@
         </p:nvSpPr>
         <p:spPr bwMode="auto">
           <a:xfrm>
-            <a:off x="2967038" y="171450"/>
-            <a:ext cx="6107112" cy="1493838"/>
+            <a:off x="2771850" y="171450"/>
+            <a:ext cx="6302300" cy="1493838"/>
           </a:xfrm>
           <a:prstGeom prst="rect">
             <a:avLst/>
@@ -3313,220 +3253,6 @@
               <a:t>线性系统</a:t>
             </a:r>
             <a:endParaRPr lang="en-US" altLang="zh-CN" sz="4800" dirty="0">
-              <a:solidFill>
-                <a:schemeClr val="tx1">
-                  <a:lumMod val="65000"/>
-                  <a:lumOff val="35000"/>
-                </a:schemeClr>
-              </a:solidFill>
-              <a:latin typeface="微软雅黑" panose="020B0503020204020204" pitchFamily="34" charset="-122"/>
-              <a:ea typeface="微软雅黑" panose="020B0503020204020204" pitchFamily="34" charset="-122"/>
-              <a:sym typeface="微软雅黑" panose="020B0503020204020204" pitchFamily="34" charset="-122"/>
-            </a:endParaRPr>
-          </a:p>
-        </p:txBody>
-      </p:sp>
-      <p:sp>
-        <p:nvSpPr>
-          <p:cNvPr id="2052" name="文本框 4">
-            <a:extLst>
-              <a:ext uri="{FF2B5EF4-FFF2-40B4-BE49-F238E27FC236}">
-                <a16:creationId xmlns:a16="http://schemas.microsoft.com/office/drawing/2014/main" id="{EA441C0C-3E5D-4FDF-A876-649104AAE2DB}"/>
-              </a:ext>
-            </a:extLst>
-          </p:cNvPr>
-          <p:cNvSpPr>
-            <a:spLocks noChangeArrowheads="1"/>
-          </p:cNvSpPr>
-          <p:nvPr/>
-        </p:nvSpPr>
-        <p:spPr bwMode="auto">
-          <a:xfrm>
-            <a:off x="4473575" y="2787650"/>
-            <a:ext cx="4202113" cy="336695"/>
-          </a:xfrm>
-          <a:prstGeom prst="rect">
-            <a:avLst/>
-          </a:prstGeom>
-          <a:noFill/>
-          <a:ln>
-            <a:noFill/>
-          </a:ln>
-          <a:extLst>
-            <a:ext uri="{909E8E84-426E-40DD-AFC4-6F175D3DCCD1}">
-              <a14:hiddenFill xmlns:a14="http://schemas.microsoft.com/office/drawing/2010/main">
-                <a:solidFill>
-                  <a:srgbClr val="FFFFFF"/>
-                </a:solidFill>
-              </a14:hiddenFill>
-            </a:ext>
-            <a:ext uri="{91240B29-F687-4F45-9708-019B960494DF}">
-              <a14:hiddenLine xmlns:a14="http://schemas.microsoft.com/office/drawing/2010/main" w="9525">
-                <a:solidFill>
-                  <a:srgbClr val="000000"/>
-                </a:solidFill>
-                <a:miter lim="800000"/>
-                <a:headEnd/>
-                <a:tailEnd/>
-              </a14:hiddenLine>
-            </a:ext>
-          </a:extLst>
-        </p:spPr>
-        <p:txBody>
-          <a:bodyPr>
-            <a:spAutoFit/>
-          </a:bodyPr>
-          <a:lstStyle>
-            <a:lvl1pPr>
-              <a:buFont typeface="Arial" panose="020B0604020202020204" pitchFamily="34" charset="0"/>
-              <a:defRPr>
-                <a:solidFill>
-                  <a:schemeClr val="tx1"/>
-                </a:solidFill>
-                <a:latin typeface="Arial" panose="020B0604020202020204" pitchFamily="34" charset="0"/>
-                <a:ea typeface="宋体" panose="02010600030101010101" pitchFamily="2" charset="-122"/>
-              </a:defRPr>
-            </a:lvl1pPr>
-            <a:lvl2pPr marL="742950" indent="-285750">
-              <a:buFont typeface="Arial" panose="020B0604020202020204" pitchFamily="34" charset="0"/>
-              <a:defRPr>
-                <a:solidFill>
-                  <a:schemeClr val="tx1"/>
-                </a:solidFill>
-                <a:latin typeface="Arial" panose="020B0604020202020204" pitchFamily="34" charset="0"/>
-                <a:ea typeface="宋体" panose="02010600030101010101" pitchFamily="2" charset="-122"/>
-              </a:defRPr>
-            </a:lvl2pPr>
-            <a:lvl3pPr marL="1143000" indent="-228600">
-              <a:buFont typeface="Arial" panose="020B0604020202020204" pitchFamily="34" charset="0"/>
-              <a:defRPr>
-                <a:solidFill>
-                  <a:schemeClr val="tx1"/>
-                </a:solidFill>
-                <a:latin typeface="Arial" panose="020B0604020202020204" pitchFamily="34" charset="0"/>
-                <a:ea typeface="宋体" panose="02010600030101010101" pitchFamily="2" charset="-122"/>
-              </a:defRPr>
-            </a:lvl3pPr>
-            <a:lvl4pPr marL="1600200" indent="-228600">
-              <a:buFont typeface="Arial" panose="020B0604020202020204" pitchFamily="34" charset="0"/>
-              <a:defRPr>
-                <a:solidFill>
-                  <a:schemeClr val="tx1"/>
-                </a:solidFill>
-                <a:latin typeface="Arial" panose="020B0604020202020204" pitchFamily="34" charset="0"/>
-                <a:ea typeface="宋体" panose="02010600030101010101" pitchFamily="2" charset="-122"/>
-              </a:defRPr>
-            </a:lvl4pPr>
-            <a:lvl5pPr marL="2057400" indent="-228600">
-              <a:buFont typeface="Arial" panose="020B0604020202020204" pitchFamily="34" charset="0"/>
-              <a:defRPr>
-                <a:solidFill>
-                  <a:schemeClr val="tx1"/>
-                </a:solidFill>
-                <a:latin typeface="Arial" panose="020B0604020202020204" pitchFamily="34" charset="0"/>
-                <a:ea typeface="宋体" panose="02010600030101010101" pitchFamily="2" charset="-122"/>
-              </a:defRPr>
-            </a:lvl5pPr>
-            <a:lvl6pPr marL="2514600" indent="-228600" eaLnBrk="0" fontAlgn="base" hangingPunct="0">
-              <a:spcBef>
-                <a:spcPct val="0"/>
-              </a:spcBef>
-              <a:spcAft>
-                <a:spcPct val="0"/>
-              </a:spcAft>
-              <a:buFont typeface="Arial" panose="020B0604020202020204" pitchFamily="34" charset="0"/>
-              <a:defRPr>
-                <a:solidFill>
-                  <a:schemeClr val="tx1"/>
-                </a:solidFill>
-                <a:latin typeface="Arial" panose="020B0604020202020204" pitchFamily="34" charset="0"/>
-                <a:ea typeface="宋体" panose="02010600030101010101" pitchFamily="2" charset="-122"/>
-              </a:defRPr>
-            </a:lvl6pPr>
-            <a:lvl7pPr marL="2971800" indent="-228600" eaLnBrk="0" fontAlgn="base" hangingPunct="0">
-              <a:spcBef>
-                <a:spcPct val="0"/>
-              </a:spcBef>
-              <a:spcAft>
-                <a:spcPct val="0"/>
-              </a:spcAft>
-              <a:buFont typeface="Arial" panose="020B0604020202020204" pitchFamily="34" charset="0"/>
-              <a:defRPr>
-                <a:solidFill>
-                  <a:schemeClr val="tx1"/>
-                </a:solidFill>
-                <a:latin typeface="Arial" panose="020B0604020202020204" pitchFamily="34" charset="0"/>
-                <a:ea typeface="宋体" panose="02010600030101010101" pitchFamily="2" charset="-122"/>
-              </a:defRPr>
-            </a:lvl7pPr>
-            <a:lvl8pPr marL="3429000" indent="-228600" eaLnBrk="0" fontAlgn="base" hangingPunct="0">
-              <a:spcBef>
-                <a:spcPct val="0"/>
-              </a:spcBef>
-              <a:spcAft>
-                <a:spcPct val="0"/>
-              </a:spcAft>
-              <a:buFont typeface="Arial" panose="020B0604020202020204" pitchFamily="34" charset="0"/>
-              <a:defRPr>
-                <a:solidFill>
-                  <a:schemeClr val="tx1"/>
-                </a:solidFill>
-                <a:latin typeface="Arial" panose="020B0604020202020204" pitchFamily="34" charset="0"/>
-                <a:ea typeface="宋体" panose="02010600030101010101" pitchFamily="2" charset="-122"/>
-              </a:defRPr>
-            </a:lvl8pPr>
-            <a:lvl9pPr marL="3886200" indent="-228600" eaLnBrk="0" fontAlgn="base" hangingPunct="0">
-              <a:spcBef>
-                <a:spcPct val="0"/>
-              </a:spcBef>
-              <a:spcAft>
-                <a:spcPct val="0"/>
-              </a:spcAft>
-              <a:buFont typeface="Arial" panose="020B0604020202020204" pitchFamily="34" charset="0"/>
-              <a:defRPr>
-                <a:solidFill>
-                  <a:schemeClr val="tx1"/>
-                </a:solidFill>
-                <a:latin typeface="Arial" panose="020B0604020202020204" pitchFamily="34" charset="0"/>
-                <a:ea typeface="宋体" panose="02010600030101010101" pitchFamily="2" charset="-122"/>
-              </a:defRPr>
-            </a:lvl9pPr>
-          </a:lstStyle>
-          <a:p>
-            <a:pPr eaLnBrk="1" hangingPunct="1">
-              <a:lnSpc>
-                <a:spcPct val="150000"/>
-              </a:lnSpc>
-            </a:pPr>
-            <a:r>
-              <a:rPr lang="en-US" altLang="zh-CN" sz="1200" dirty="0">
-                <a:solidFill>
-                  <a:schemeClr val="tx1">
-                    <a:lumMod val="65000"/>
-                    <a:lumOff val="35000"/>
-                  </a:schemeClr>
-                </a:solidFill>
-                <a:latin typeface="微软雅黑" panose="020B0503020204020204" pitchFamily="34" charset="-122"/>
-                <a:ea typeface="微软雅黑" panose="020B0503020204020204" pitchFamily="34" charset="-122"/>
-                <a:sym typeface="微软雅黑" panose="020B0503020204020204" pitchFamily="34" charset="-122"/>
-              </a:rPr>
-              <a:t>CSDN</a:t>
-            </a:r>
-            <a:r>
-              <a:rPr lang="zh-CN" altLang="en-US" sz="1200" dirty="0">
-                <a:solidFill>
-                  <a:schemeClr val="tx1">
-                    <a:lumMod val="65000"/>
-                    <a:lumOff val="35000"/>
-                  </a:schemeClr>
-                </a:solidFill>
-                <a:latin typeface="微软雅黑" panose="020B0503020204020204" pitchFamily="34" charset="-122"/>
-                <a:ea typeface="微软雅黑" panose="020B0503020204020204" pitchFamily="34" charset="-122"/>
-                <a:sym typeface="微软雅黑" panose="020B0503020204020204" pitchFamily="34" charset="-122"/>
-              </a:rPr>
-              <a:t>博客地址</a:t>
-            </a:r>
-            <a:endParaRPr lang="en-US" altLang="zh-CN" sz="1200" dirty="0">
               <a:solidFill>
                 <a:schemeClr val="tx1">
                   <a:lumMod val="65000"/>
@@ -3727,8 +3453,8 @@
         </p:nvSpPr>
         <p:spPr bwMode="auto">
           <a:xfrm>
-            <a:off x="4827588" y="2097088"/>
-            <a:ext cx="2470150" cy="738187"/>
+            <a:off x="4828318" y="2097088"/>
+            <a:ext cx="2468689" cy="700576"/>
           </a:xfrm>
           <a:prstGeom prst="rect">
             <a:avLst/>
@@ -3925,10 +3651,10 @@
       </p:sp>
       <p:sp>
         <p:nvSpPr>
-          <p:cNvPr id="2055" name="文本框 6">
+          <p:cNvPr id="12" name="矩形 6">
             <a:extLst>
               <a:ext uri="{FF2B5EF4-FFF2-40B4-BE49-F238E27FC236}">
-                <a16:creationId xmlns:a16="http://schemas.microsoft.com/office/drawing/2014/main" id="{24B7095F-E59A-4D2B-BCB8-29A41E044681}"/>
+                <a16:creationId xmlns:a16="http://schemas.microsoft.com/office/drawing/2014/main" id="{0E39F71D-14AF-466F-80F7-D013332A6BF5}"/>
               </a:ext>
             </a:extLst>
           </p:cNvPr>
@@ -3939,30 +3665,25 @@
         </p:nvSpPr>
         <p:spPr bwMode="auto">
           <a:xfrm>
-            <a:off x="4500563" y="3230563"/>
-            <a:ext cx="2735262" cy="276225"/>
+            <a:off x="0" y="4622222"/>
+            <a:ext cx="9144000" cy="538162"/>
           </a:xfrm>
           <a:prstGeom prst="rect">
             <a:avLst/>
           </a:prstGeom>
-          <a:noFill/>
+          <a:solidFill>
+            <a:srgbClr val="C00000"/>
+          </a:solidFill>
           <a:ln>
             <a:noFill/>
           </a:ln>
           <a:extLst>
-            <a:ext uri="{909E8E84-426E-40DD-AFC4-6F175D3DCCD1}">
-              <a14:hiddenFill xmlns:a14="http://schemas.microsoft.com/office/drawing/2010/main">
+            <a:ext uri="{91240B29-F687-4F45-9708-019B960494DF}">
+              <a14:hiddenLine xmlns:a14="http://schemas.microsoft.com/office/drawing/2010/main" w="25400">
                 <a:solidFill>
-                  <a:srgbClr val="FFFFFF"/>
+                  <a:srgbClr val="395E8A"/>
                 </a:solidFill>
-              </a14:hiddenFill>
-            </a:ext>
-            <a:ext uri="{91240B29-F687-4F45-9708-019B960494DF}">
-              <a14:hiddenLine xmlns:a14="http://schemas.microsoft.com/office/drawing/2010/main" w="9525">
-                <a:solidFill>
-                  <a:srgbClr val="000000"/>
-                </a:solidFill>
-                <a:miter lim="800000"/>
+                <a:bevel/>
                 <a:headEnd/>
                 <a:tailEnd/>
               </a14:hiddenLine>
@@ -3970,9 +3691,7 @@
           </a:extLst>
         </p:spPr>
         <p:txBody>
-          <a:bodyPr>
-            <a:spAutoFit/>
-          </a:bodyPr>
+          <a:bodyPr anchor="ctr"/>
           <a:lstStyle>
             <a:lvl1pPr>
               <a:buFont typeface="Arial" panose="020B0604020202020204" pitchFamily="34" charset="0"/>
@@ -4090,106 +3809,99 @@
             </a:lvl9pPr>
           </a:lstStyle>
           <a:p>
-            <a:pPr eaLnBrk="1" hangingPunct="1"/>
-            <a:r>
-              <a:rPr lang="en-US" altLang="zh-CN" sz="1200" dirty="0">
-                <a:solidFill>
-                  <a:schemeClr val="tx1">
-                    <a:lumMod val="65000"/>
-                    <a:lumOff val="35000"/>
-                  </a:schemeClr>
-                </a:solidFill>
-                <a:latin typeface="微软雅黑" panose="020B0503020204020204" pitchFamily="34" charset="-122"/>
-                <a:ea typeface="微软雅黑" panose="020B0503020204020204" pitchFamily="34" charset="-122"/>
-                <a:sym typeface="微软雅黑" panose="020B0503020204020204" pitchFamily="34" charset="-122"/>
-              </a:rPr>
-              <a:t>http://blog.csdn.net/zhangci226</a:t>
-            </a:r>
-            <a:endParaRPr lang="zh-CN" altLang="en-US" sz="1200" dirty="0">
+            <a:pPr algn="ctr" eaLnBrk="1" hangingPunct="1"/>
+            <a:endParaRPr lang="zh-CN" altLang="zh-CN">
               <a:solidFill>
-                <a:schemeClr val="tx1">
-                  <a:lumMod val="65000"/>
-                  <a:lumOff val="35000"/>
-                </a:schemeClr>
+                <a:srgbClr val="FFFFFF"/>
               </a:solidFill>
-              <a:latin typeface="微软雅黑" panose="020B0503020204020204" pitchFamily="34" charset="-122"/>
-              <a:ea typeface="微软雅黑" panose="020B0503020204020204" pitchFamily="34" charset="-122"/>
-              <a:sym typeface="微软雅黑" panose="020B0503020204020204" pitchFamily="34" charset="-122"/>
+              <a:latin typeface="宋体" panose="02010600030101010101" pitchFamily="2" charset="-122"/>
+              <a:sym typeface="宋体" panose="02010600030101010101" pitchFamily="2" charset="-122"/>
             </a:endParaRPr>
           </a:p>
         </p:txBody>
       </p:sp>
       <p:pic>
         <p:nvPicPr>
-          <p:cNvPr id="2056" name="Picture 2">
+          <p:cNvPr id="3" name="图片 2">
             <a:extLst>
               <a:ext uri="{FF2B5EF4-FFF2-40B4-BE49-F238E27FC236}">
-                <a16:creationId xmlns:a16="http://schemas.microsoft.com/office/drawing/2014/main" id="{58294FCF-AD8A-45BB-B856-A1E2A589334A}"/>
+                <a16:creationId xmlns:a16="http://schemas.microsoft.com/office/drawing/2014/main" id="{583004D2-6E63-4036-ACDD-0910B14D3FCA}"/>
               </a:ext>
             </a:extLst>
           </p:cNvPr>
           <p:cNvPicPr>
-            <a:picLocks noChangeAspect="1" noChangeArrowheads="1"/>
+            <a:picLocks noChangeAspect="1"/>
           </p:cNvPicPr>
           <p:nvPr/>
         </p:nvPicPr>
         <p:blipFill>
-          <a:blip r:embed="rId3">
+          <a:blip r:embed="rId2">
             <a:extLst>
               <a:ext uri="{28A0092B-C50C-407E-A947-70E740481C1C}">
                 <a14:useLocalDpi xmlns:a14="http://schemas.microsoft.com/office/drawing/2010/main" val="0"/>
               </a:ext>
             </a:extLst>
           </a:blip>
-          <a:srcRect/>
           <a:stretch>
             <a:fillRect/>
           </a:stretch>
         </p:blipFill>
-        <p:spPr bwMode="auto">
+        <p:spPr>
           <a:xfrm>
-            <a:off x="107950" y="123825"/>
-            <a:ext cx="1296988" cy="539750"/>
+            <a:off x="251641" y="267559"/>
+            <a:ext cx="3379278" cy="4173683"/>
           </a:xfrm>
           <a:prstGeom prst="rect">
             <a:avLst/>
           </a:prstGeom>
-          <a:noFill/>
-          <a:ln>
-            <a:noFill/>
-          </a:ln>
-          <a:effectLst/>
-          <a:extLst>
-            <a:ext uri="{909E8E84-426E-40DD-AFC4-6F175D3DCCD1}">
-              <a14:hiddenFill xmlns:a14="http://schemas.microsoft.com/office/drawing/2010/main">
+        </p:spPr>
+      </p:pic>
+      <p:sp>
+        <p:nvSpPr>
+          <p:cNvPr id="4" name="矩形 3">
+            <a:extLst>
+              <a:ext uri="{FF2B5EF4-FFF2-40B4-BE49-F238E27FC236}">
+                <a16:creationId xmlns:a16="http://schemas.microsoft.com/office/drawing/2014/main" id="{4216CA4C-6561-4063-B20A-0403314CB7B8}"/>
+              </a:ext>
+            </a:extLst>
+          </p:cNvPr>
+          <p:cNvSpPr/>
+          <p:nvPr/>
+        </p:nvSpPr>
+        <p:spPr>
+          <a:xfrm>
+            <a:off x="6712629" y="4722628"/>
+            <a:ext cx="2431371" cy="369332"/>
+          </a:xfrm>
+          <a:prstGeom prst="rect">
+            <a:avLst/>
+          </a:prstGeom>
+        </p:spPr>
+        <p:txBody>
+          <a:bodyPr wrap="none">
+            <a:spAutoFit/>
+          </a:bodyPr>
+          <a:lstStyle/>
+          <a:p>
+            <a:r>
+              <a:rPr lang="en-US" altLang="zh-CN" dirty="0">
                 <a:solidFill>
                   <a:srgbClr val="FFFFFF"/>
                 </a:solidFill>
-              </a14:hiddenFill>
-            </a:ext>
-            <a:ext uri="{91240B29-F687-4F45-9708-019B960494DF}">
-              <a14:hiddenLine xmlns:a14="http://schemas.microsoft.com/office/drawing/2010/main" w="9525">
-                <a:solidFill>
-                  <a:srgbClr val="000000"/>
-                </a:solidFill>
-                <a:bevel/>
-                <a:headEnd/>
-                <a:tailEnd/>
-              </a14:hiddenLine>
-            </a:ext>
-            <a:ext uri="{AF507438-7753-43E0-B8FC-AC1667EBCBE1}">
-              <a14:hiddenEffects xmlns:a14="http://schemas.microsoft.com/office/drawing/2010/main">
-                <a:effectLst>
-                  <a:outerShdw dist="35921" dir="2700000" algn="ctr" rotWithShape="0">
-                    <a:srgbClr val="808080"/>
-                  </a:outerShdw>
-                </a:effectLst>
-              </a14:hiddenEffects>
-            </a:ext>
-          </a:extLst>
-        </p:spPr>
-      </p:pic>
+                <a:latin typeface="MicrosoftYaHei"/>
+              </a:rPr>
+              <a:t>GRAPHICS LABORATORY</a:t>
+            </a:r>
+            <a:endParaRPr lang="zh-CN" altLang="en-US" dirty="0"/>
+          </a:p>
+        </p:txBody>
+      </p:sp>
     </p:spTree>
+    <p:extLst>
+      <p:ext uri="{BB962C8B-B14F-4D97-AF65-F5344CB8AC3E}">
+        <p14:creationId xmlns:p14="http://schemas.microsoft.com/office/powerpoint/2010/main" val="2211701857"/>
+      </p:ext>
+    </p:extLst>
   </p:cSld>
   <p:clrMapOvr>
     <a:masterClrMapping/>
@@ -4214,76 +3926,6 @@
           <a:chExt cx="0" cy="0"/>
         </a:xfrm>
       </p:grpSpPr>
-      <p:pic>
-        <p:nvPicPr>
-          <p:cNvPr id="3074" name="Picture 2">
-            <a:extLst>
-              <a:ext uri="{FF2B5EF4-FFF2-40B4-BE49-F238E27FC236}">
-                <a16:creationId xmlns:a16="http://schemas.microsoft.com/office/drawing/2014/main" id="{CE3CEE5C-FBEB-4342-B1B3-D6580A905CD6}"/>
-              </a:ext>
-            </a:extLst>
-          </p:cNvPr>
-          <p:cNvPicPr>
-            <a:picLocks noChangeAspect="1" noChangeArrowheads="1"/>
-          </p:cNvPicPr>
-          <p:nvPr/>
-        </p:nvPicPr>
-        <p:blipFill>
-          <a:blip r:embed="rId2">
-            <a:extLst>
-              <a:ext uri="{28A0092B-C50C-407E-A947-70E740481C1C}">
-                <a14:useLocalDpi xmlns:a14="http://schemas.microsoft.com/office/drawing/2010/main" val="0"/>
-              </a:ext>
-            </a:extLst>
-          </a:blip>
-          <a:srcRect/>
-          <a:stretch>
-            <a:fillRect/>
-          </a:stretch>
-        </p:blipFill>
-        <p:spPr bwMode="auto">
-          <a:xfrm>
-            <a:off x="7956550" y="4606925"/>
-            <a:ext cx="1081088" cy="450850"/>
-          </a:xfrm>
-          <a:prstGeom prst="rect">
-            <a:avLst/>
-          </a:prstGeom>
-          <a:noFill/>
-          <a:ln>
-            <a:noFill/>
-          </a:ln>
-          <a:effectLst/>
-          <a:extLst>
-            <a:ext uri="{909E8E84-426E-40DD-AFC4-6F175D3DCCD1}">
-              <a14:hiddenFill xmlns:a14="http://schemas.microsoft.com/office/drawing/2010/main">
-                <a:solidFill>
-                  <a:srgbClr val="FFFFFF"/>
-                </a:solidFill>
-              </a14:hiddenFill>
-            </a:ext>
-            <a:ext uri="{91240B29-F687-4F45-9708-019B960494DF}">
-              <a14:hiddenLine xmlns:a14="http://schemas.microsoft.com/office/drawing/2010/main" w="9525">
-                <a:solidFill>
-                  <a:srgbClr val="000000"/>
-                </a:solidFill>
-                <a:miter lim="800000"/>
-                <a:headEnd/>
-                <a:tailEnd/>
-              </a14:hiddenLine>
-            </a:ext>
-            <a:ext uri="{AF507438-7753-43E0-B8FC-AC1667EBCBE1}">
-              <a14:hiddenEffects xmlns:a14="http://schemas.microsoft.com/office/drawing/2010/main">
-                <a:effectLst>
-                  <a:outerShdw dist="35921" dir="2700000" algn="ctr" rotWithShape="0">
-                    <a:srgbClr val="808080"/>
-                  </a:outerShdw>
-                </a:effectLst>
-              </a14:hiddenEffects>
-            </a:ext>
-          </a:extLst>
-        </p:spPr>
-      </p:pic>
       <p:sp>
         <p:nvSpPr>
           <p:cNvPr id="3075" name="Title 1">
@@ -4960,76 +4602,6 @@
           <a:chExt cx="0" cy="0"/>
         </a:xfrm>
       </p:grpSpPr>
-      <p:pic>
-        <p:nvPicPr>
-          <p:cNvPr id="3074" name="Picture 2">
-            <a:extLst>
-              <a:ext uri="{FF2B5EF4-FFF2-40B4-BE49-F238E27FC236}">
-                <a16:creationId xmlns:a16="http://schemas.microsoft.com/office/drawing/2014/main" id="{CE3CEE5C-FBEB-4342-B1B3-D6580A905CD6}"/>
-              </a:ext>
-            </a:extLst>
-          </p:cNvPr>
-          <p:cNvPicPr>
-            <a:picLocks noChangeAspect="1" noChangeArrowheads="1"/>
-          </p:cNvPicPr>
-          <p:nvPr/>
-        </p:nvPicPr>
-        <p:blipFill>
-          <a:blip r:embed="rId2">
-            <a:extLst>
-              <a:ext uri="{28A0092B-C50C-407E-A947-70E740481C1C}">
-                <a14:useLocalDpi xmlns:a14="http://schemas.microsoft.com/office/drawing/2010/main" val="0"/>
-              </a:ext>
-            </a:extLst>
-          </a:blip>
-          <a:srcRect/>
-          <a:stretch>
-            <a:fillRect/>
-          </a:stretch>
-        </p:blipFill>
-        <p:spPr bwMode="auto">
-          <a:xfrm>
-            <a:off x="7956550" y="4606925"/>
-            <a:ext cx="1081088" cy="450850"/>
-          </a:xfrm>
-          <a:prstGeom prst="rect">
-            <a:avLst/>
-          </a:prstGeom>
-          <a:noFill/>
-          <a:ln>
-            <a:noFill/>
-          </a:ln>
-          <a:effectLst/>
-          <a:extLst>
-            <a:ext uri="{909E8E84-426E-40DD-AFC4-6F175D3DCCD1}">
-              <a14:hiddenFill xmlns:a14="http://schemas.microsoft.com/office/drawing/2010/main">
-                <a:solidFill>
-                  <a:srgbClr val="FFFFFF"/>
-                </a:solidFill>
-              </a14:hiddenFill>
-            </a:ext>
-            <a:ext uri="{91240B29-F687-4F45-9708-019B960494DF}">
-              <a14:hiddenLine xmlns:a14="http://schemas.microsoft.com/office/drawing/2010/main" w="9525">
-                <a:solidFill>
-                  <a:srgbClr val="000000"/>
-                </a:solidFill>
-                <a:miter lim="800000"/>
-                <a:headEnd/>
-                <a:tailEnd/>
-              </a14:hiddenLine>
-            </a:ext>
-            <a:ext uri="{AF507438-7753-43E0-B8FC-AC1667EBCBE1}">
-              <a14:hiddenEffects xmlns:a14="http://schemas.microsoft.com/office/drawing/2010/main">
-                <a:effectLst>
-                  <a:outerShdw dist="35921" dir="2700000" algn="ctr" rotWithShape="0">
-                    <a:srgbClr val="808080"/>
-                  </a:outerShdw>
-                </a:effectLst>
-              </a14:hiddenEffects>
-            </a:ext>
-          </a:extLst>
-        </p:spPr>
-      </p:pic>
       <p:sp>
         <p:nvSpPr>
           <p:cNvPr id="3075" name="Title 1">
@@ -6116,76 +5688,6 @@
           <a:chExt cx="0" cy="0"/>
         </a:xfrm>
       </p:grpSpPr>
-      <p:pic>
-        <p:nvPicPr>
-          <p:cNvPr id="3074" name="Picture 2">
-            <a:extLst>
-              <a:ext uri="{FF2B5EF4-FFF2-40B4-BE49-F238E27FC236}">
-                <a16:creationId xmlns:a16="http://schemas.microsoft.com/office/drawing/2014/main" id="{CE3CEE5C-FBEB-4342-B1B3-D6580A905CD6}"/>
-              </a:ext>
-            </a:extLst>
-          </p:cNvPr>
-          <p:cNvPicPr>
-            <a:picLocks noChangeAspect="1" noChangeArrowheads="1"/>
-          </p:cNvPicPr>
-          <p:nvPr/>
-        </p:nvPicPr>
-        <p:blipFill>
-          <a:blip r:embed="rId2">
-            <a:extLst>
-              <a:ext uri="{28A0092B-C50C-407E-A947-70E740481C1C}">
-                <a14:useLocalDpi xmlns:a14="http://schemas.microsoft.com/office/drawing/2010/main" val="0"/>
-              </a:ext>
-            </a:extLst>
-          </a:blip>
-          <a:srcRect/>
-          <a:stretch>
-            <a:fillRect/>
-          </a:stretch>
-        </p:blipFill>
-        <p:spPr bwMode="auto">
-          <a:xfrm>
-            <a:off x="7956550" y="4606925"/>
-            <a:ext cx="1081088" cy="450850"/>
-          </a:xfrm>
-          <a:prstGeom prst="rect">
-            <a:avLst/>
-          </a:prstGeom>
-          <a:noFill/>
-          <a:ln>
-            <a:noFill/>
-          </a:ln>
-          <a:effectLst/>
-          <a:extLst>
-            <a:ext uri="{909E8E84-426E-40DD-AFC4-6F175D3DCCD1}">
-              <a14:hiddenFill xmlns:a14="http://schemas.microsoft.com/office/drawing/2010/main">
-                <a:solidFill>
-                  <a:srgbClr val="FFFFFF"/>
-                </a:solidFill>
-              </a14:hiddenFill>
-            </a:ext>
-            <a:ext uri="{91240B29-F687-4F45-9708-019B960494DF}">
-              <a14:hiddenLine xmlns:a14="http://schemas.microsoft.com/office/drawing/2010/main" w="9525">
-                <a:solidFill>
-                  <a:srgbClr val="000000"/>
-                </a:solidFill>
-                <a:miter lim="800000"/>
-                <a:headEnd/>
-                <a:tailEnd/>
-              </a14:hiddenLine>
-            </a:ext>
-            <a:ext uri="{AF507438-7753-43E0-B8FC-AC1667EBCBE1}">
-              <a14:hiddenEffects xmlns:a14="http://schemas.microsoft.com/office/drawing/2010/main">
-                <a:effectLst>
-                  <a:outerShdw dist="35921" dir="2700000" algn="ctr" rotWithShape="0">
-                    <a:srgbClr val="808080"/>
-                  </a:outerShdw>
-                </a:effectLst>
-              </a14:hiddenEffects>
-            </a:ext>
-          </a:extLst>
-        </p:spPr>
-      </p:pic>
       <p:sp>
         <p:nvSpPr>
           <p:cNvPr id="3075" name="Title 1">
@@ -7679,76 +7181,6 @@
           <a:chExt cx="0" cy="0"/>
         </a:xfrm>
       </p:grpSpPr>
-      <p:pic>
-        <p:nvPicPr>
-          <p:cNvPr id="3074" name="Picture 2">
-            <a:extLst>
-              <a:ext uri="{FF2B5EF4-FFF2-40B4-BE49-F238E27FC236}">
-                <a16:creationId xmlns:a16="http://schemas.microsoft.com/office/drawing/2014/main" id="{CE3CEE5C-FBEB-4342-B1B3-D6580A905CD6}"/>
-              </a:ext>
-            </a:extLst>
-          </p:cNvPr>
-          <p:cNvPicPr>
-            <a:picLocks noChangeAspect="1" noChangeArrowheads="1"/>
-          </p:cNvPicPr>
-          <p:nvPr/>
-        </p:nvPicPr>
-        <p:blipFill>
-          <a:blip r:embed="rId2">
-            <a:extLst>
-              <a:ext uri="{28A0092B-C50C-407E-A947-70E740481C1C}">
-                <a14:useLocalDpi xmlns:a14="http://schemas.microsoft.com/office/drawing/2010/main" val="0"/>
-              </a:ext>
-            </a:extLst>
-          </a:blip>
-          <a:srcRect/>
-          <a:stretch>
-            <a:fillRect/>
-          </a:stretch>
-        </p:blipFill>
-        <p:spPr bwMode="auto">
-          <a:xfrm>
-            <a:off x="7956550" y="4606925"/>
-            <a:ext cx="1081088" cy="450850"/>
-          </a:xfrm>
-          <a:prstGeom prst="rect">
-            <a:avLst/>
-          </a:prstGeom>
-          <a:noFill/>
-          <a:ln>
-            <a:noFill/>
-          </a:ln>
-          <a:effectLst/>
-          <a:extLst>
-            <a:ext uri="{909E8E84-426E-40DD-AFC4-6F175D3DCCD1}">
-              <a14:hiddenFill xmlns:a14="http://schemas.microsoft.com/office/drawing/2010/main">
-                <a:solidFill>
-                  <a:srgbClr val="FFFFFF"/>
-                </a:solidFill>
-              </a14:hiddenFill>
-            </a:ext>
-            <a:ext uri="{91240B29-F687-4F45-9708-019B960494DF}">
-              <a14:hiddenLine xmlns:a14="http://schemas.microsoft.com/office/drawing/2010/main" w="9525">
-                <a:solidFill>
-                  <a:srgbClr val="000000"/>
-                </a:solidFill>
-                <a:miter lim="800000"/>
-                <a:headEnd/>
-                <a:tailEnd/>
-              </a14:hiddenLine>
-            </a:ext>
-            <a:ext uri="{AF507438-7753-43E0-B8FC-AC1667EBCBE1}">
-              <a14:hiddenEffects xmlns:a14="http://schemas.microsoft.com/office/drawing/2010/main">
-                <a:effectLst>
-                  <a:outerShdw dist="35921" dir="2700000" algn="ctr" rotWithShape="0">
-                    <a:srgbClr val="808080"/>
-                  </a:outerShdw>
-                </a:effectLst>
-              </a14:hiddenEffects>
-            </a:ext>
-          </a:extLst>
-        </p:spPr>
-      </p:pic>
       <p:sp>
         <p:nvSpPr>
           <p:cNvPr id="3075" name="Title 1">
@@ -9330,76 +8762,6 @@
           <a:chExt cx="0" cy="0"/>
         </a:xfrm>
       </p:grpSpPr>
-      <p:pic>
-        <p:nvPicPr>
-          <p:cNvPr id="3074" name="Picture 2">
-            <a:extLst>
-              <a:ext uri="{FF2B5EF4-FFF2-40B4-BE49-F238E27FC236}">
-                <a16:creationId xmlns:a16="http://schemas.microsoft.com/office/drawing/2014/main" id="{CE3CEE5C-FBEB-4342-B1B3-D6580A905CD6}"/>
-              </a:ext>
-            </a:extLst>
-          </p:cNvPr>
-          <p:cNvPicPr>
-            <a:picLocks noChangeAspect="1" noChangeArrowheads="1"/>
-          </p:cNvPicPr>
-          <p:nvPr/>
-        </p:nvPicPr>
-        <p:blipFill>
-          <a:blip r:embed="rId2">
-            <a:extLst>
-              <a:ext uri="{28A0092B-C50C-407E-A947-70E740481C1C}">
-                <a14:useLocalDpi xmlns:a14="http://schemas.microsoft.com/office/drawing/2010/main" val="0"/>
-              </a:ext>
-            </a:extLst>
-          </a:blip>
-          <a:srcRect/>
-          <a:stretch>
-            <a:fillRect/>
-          </a:stretch>
-        </p:blipFill>
-        <p:spPr bwMode="auto">
-          <a:xfrm>
-            <a:off x="7956550" y="4606925"/>
-            <a:ext cx="1081088" cy="450850"/>
-          </a:xfrm>
-          <a:prstGeom prst="rect">
-            <a:avLst/>
-          </a:prstGeom>
-          <a:noFill/>
-          <a:ln>
-            <a:noFill/>
-          </a:ln>
-          <a:effectLst/>
-          <a:extLst>
-            <a:ext uri="{909E8E84-426E-40DD-AFC4-6F175D3DCCD1}">
-              <a14:hiddenFill xmlns:a14="http://schemas.microsoft.com/office/drawing/2010/main">
-                <a:solidFill>
-                  <a:srgbClr val="FFFFFF"/>
-                </a:solidFill>
-              </a14:hiddenFill>
-            </a:ext>
-            <a:ext uri="{91240B29-F687-4F45-9708-019B960494DF}">
-              <a14:hiddenLine xmlns:a14="http://schemas.microsoft.com/office/drawing/2010/main" w="9525">
-                <a:solidFill>
-                  <a:srgbClr val="000000"/>
-                </a:solidFill>
-                <a:miter lim="800000"/>
-                <a:headEnd/>
-                <a:tailEnd/>
-              </a14:hiddenLine>
-            </a:ext>
-            <a:ext uri="{AF507438-7753-43E0-B8FC-AC1667EBCBE1}">
-              <a14:hiddenEffects xmlns:a14="http://schemas.microsoft.com/office/drawing/2010/main">
-                <a:effectLst>
-                  <a:outerShdw dist="35921" dir="2700000" algn="ctr" rotWithShape="0">
-                    <a:srgbClr val="808080"/>
-                  </a:outerShdw>
-                </a:effectLst>
-              </a14:hiddenEffects>
-            </a:ext>
-          </a:extLst>
-        </p:spPr>
-      </p:pic>
       <p:sp>
         <p:nvSpPr>
           <p:cNvPr id="3075" name="Title 1">
@@ -9471,8 +8833,8 @@
           </a:p>
         </p:txBody>
       </p:sp>
-      <mc:AlternateContent xmlns:mc="http://schemas.openxmlformats.org/markup-compatibility/2006">
-        <mc:Choice xmlns:a14="http://schemas.microsoft.com/office/drawing/2010/main" Requires="a14">
+      <mc:AlternateContent xmlns:mc="http://schemas.openxmlformats.org/markup-compatibility/2006" xmlns:a14="http://schemas.microsoft.com/office/drawing/2010/main">
+        <mc:Choice Requires="a14">
           <p:sp>
             <p:nvSpPr>
               <p:cNvPr id="4" name="Content Placeholder 3">
@@ -11690,7 +11052,7 @@
             </p:txBody>
           </p:sp>
         </mc:Choice>
-        <mc:Fallback>
+        <mc:Fallback xmlns="">
           <p:sp>
             <p:nvSpPr>
               <p:cNvPr id="4" name="Content Placeholder 3">
@@ -11941,76 +11303,6 @@
           <a:chExt cx="0" cy="0"/>
         </a:xfrm>
       </p:grpSpPr>
-      <p:pic>
-        <p:nvPicPr>
-          <p:cNvPr id="3074" name="Picture 2">
-            <a:extLst>
-              <a:ext uri="{FF2B5EF4-FFF2-40B4-BE49-F238E27FC236}">
-                <a16:creationId xmlns:a16="http://schemas.microsoft.com/office/drawing/2014/main" id="{CE3CEE5C-FBEB-4342-B1B3-D6580A905CD6}"/>
-              </a:ext>
-            </a:extLst>
-          </p:cNvPr>
-          <p:cNvPicPr>
-            <a:picLocks noChangeAspect="1" noChangeArrowheads="1"/>
-          </p:cNvPicPr>
-          <p:nvPr/>
-        </p:nvPicPr>
-        <p:blipFill>
-          <a:blip r:embed="rId2">
-            <a:extLst>
-              <a:ext uri="{28A0092B-C50C-407E-A947-70E740481C1C}">
-                <a14:useLocalDpi xmlns:a14="http://schemas.microsoft.com/office/drawing/2010/main" val="0"/>
-              </a:ext>
-            </a:extLst>
-          </a:blip>
-          <a:srcRect/>
-          <a:stretch>
-            <a:fillRect/>
-          </a:stretch>
-        </p:blipFill>
-        <p:spPr bwMode="auto">
-          <a:xfrm>
-            <a:off x="7956550" y="4606925"/>
-            <a:ext cx="1081088" cy="450850"/>
-          </a:xfrm>
-          <a:prstGeom prst="rect">
-            <a:avLst/>
-          </a:prstGeom>
-          <a:noFill/>
-          <a:ln>
-            <a:noFill/>
-          </a:ln>
-          <a:effectLst/>
-          <a:extLst>
-            <a:ext uri="{909E8E84-426E-40DD-AFC4-6F175D3DCCD1}">
-              <a14:hiddenFill xmlns:a14="http://schemas.microsoft.com/office/drawing/2010/main">
-                <a:solidFill>
-                  <a:srgbClr val="FFFFFF"/>
-                </a:solidFill>
-              </a14:hiddenFill>
-            </a:ext>
-            <a:ext uri="{91240B29-F687-4F45-9708-019B960494DF}">
-              <a14:hiddenLine xmlns:a14="http://schemas.microsoft.com/office/drawing/2010/main" w="9525">
-                <a:solidFill>
-                  <a:srgbClr val="000000"/>
-                </a:solidFill>
-                <a:miter lim="800000"/>
-                <a:headEnd/>
-                <a:tailEnd/>
-              </a14:hiddenLine>
-            </a:ext>
-            <a:ext uri="{AF507438-7753-43E0-B8FC-AC1667EBCBE1}">
-              <a14:hiddenEffects xmlns:a14="http://schemas.microsoft.com/office/drawing/2010/main">
-                <a:effectLst>
-                  <a:outerShdw dist="35921" dir="2700000" algn="ctr" rotWithShape="0">
-                    <a:srgbClr val="808080"/>
-                  </a:outerShdw>
-                </a:effectLst>
-              </a14:hiddenEffects>
-            </a:ext>
-          </a:extLst>
-        </p:spPr>
-      </p:pic>
       <p:sp>
         <p:nvSpPr>
           <p:cNvPr id="3075" name="Title 1">
@@ -12979,76 +12271,6 @@
           <a:chExt cx="0" cy="0"/>
         </a:xfrm>
       </p:grpSpPr>
-      <p:pic>
-        <p:nvPicPr>
-          <p:cNvPr id="3074" name="Picture 2">
-            <a:extLst>
-              <a:ext uri="{FF2B5EF4-FFF2-40B4-BE49-F238E27FC236}">
-                <a16:creationId xmlns:a16="http://schemas.microsoft.com/office/drawing/2014/main" id="{CE3CEE5C-FBEB-4342-B1B3-D6580A905CD6}"/>
-              </a:ext>
-            </a:extLst>
-          </p:cNvPr>
-          <p:cNvPicPr>
-            <a:picLocks noChangeAspect="1" noChangeArrowheads="1"/>
-          </p:cNvPicPr>
-          <p:nvPr/>
-        </p:nvPicPr>
-        <p:blipFill>
-          <a:blip r:embed="rId2">
-            <a:extLst>
-              <a:ext uri="{28A0092B-C50C-407E-A947-70E740481C1C}">
-                <a14:useLocalDpi xmlns:a14="http://schemas.microsoft.com/office/drawing/2010/main" val="0"/>
-              </a:ext>
-            </a:extLst>
-          </a:blip>
-          <a:srcRect/>
-          <a:stretch>
-            <a:fillRect/>
-          </a:stretch>
-        </p:blipFill>
-        <p:spPr bwMode="auto">
-          <a:xfrm>
-            <a:off x="7956550" y="4606925"/>
-            <a:ext cx="1081088" cy="450850"/>
-          </a:xfrm>
-          <a:prstGeom prst="rect">
-            <a:avLst/>
-          </a:prstGeom>
-          <a:noFill/>
-          <a:ln>
-            <a:noFill/>
-          </a:ln>
-          <a:effectLst/>
-          <a:extLst>
-            <a:ext uri="{909E8E84-426E-40DD-AFC4-6F175D3DCCD1}">
-              <a14:hiddenFill xmlns:a14="http://schemas.microsoft.com/office/drawing/2010/main">
-                <a:solidFill>
-                  <a:srgbClr val="FFFFFF"/>
-                </a:solidFill>
-              </a14:hiddenFill>
-            </a:ext>
-            <a:ext uri="{91240B29-F687-4F45-9708-019B960494DF}">
-              <a14:hiddenLine xmlns:a14="http://schemas.microsoft.com/office/drawing/2010/main" w="9525">
-                <a:solidFill>
-                  <a:srgbClr val="000000"/>
-                </a:solidFill>
-                <a:miter lim="800000"/>
-                <a:headEnd/>
-                <a:tailEnd/>
-              </a14:hiddenLine>
-            </a:ext>
-            <a:ext uri="{AF507438-7753-43E0-B8FC-AC1667EBCBE1}">
-              <a14:hiddenEffects xmlns:a14="http://schemas.microsoft.com/office/drawing/2010/main">
-                <a:effectLst>
-                  <a:outerShdw dist="35921" dir="2700000" algn="ctr" rotWithShape="0">
-                    <a:srgbClr val="808080"/>
-                  </a:outerShdw>
-                </a:effectLst>
-              </a14:hiddenEffects>
-            </a:ext>
-          </a:extLst>
-        </p:spPr>
-      </p:pic>
       <p:sp>
         <p:nvSpPr>
           <p:cNvPr id="3075" name="Title 1">
@@ -13123,8 +12345,8 @@
           </a:p>
         </p:txBody>
       </p:sp>
-      <mc:AlternateContent xmlns:mc="http://schemas.openxmlformats.org/markup-compatibility/2006">
-        <mc:Choice xmlns:a14="http://schemas.microsoft.com/office/drawing/2010/main" Requires="a14">
+      <mc:AlternateContent xmlns:mc="http://schemas.openxmlformats.org/markup-compatibility/2006" xmlns:a14="http://schemas.microsoft.com/office/drawing/2010/main">
+        <mc:Choice Requires="a14">
           <p:sp>
             <p:nvSpPr>
               <p:cNvPr id="4" name="Content Placeholder 3">
@@ -13932,7 +13154,7 @@
             </p:txBody>
           </p:sp>
         </mc:Choice>
-        <mc:Fallback>
+        <mc:Fallback xmlns="">
           <p:sp>
             <p:nvSpPr>
               <p:cNvPr id="4" name="Content Placeholder 3">
@@ -14007,72 +13229,12 @@
           <a:chExt cx="0" cy="0"/>
         </a:xfrm>
       </p:grpSpPr>
-      <p:pic>
-        <p:nvPicPr>
-          <p:cNvPr id="8194" name="Picture 2" descr="D:\work\CSDN学院ppt\5.jpg">
-            <a:extLst>
-              <a:ext uri="{FF2B5EF4-FFF2-40B4-BE49-F238E27FC236}">
-                <a16:creationId xmlns:a16="http://schemas.microsoft.com/office/drawing/2014/main" id="{B8DC438E-25CF-4B61-AB39-F4056CC90CF9}"/>
-              </a:ext>
-            </a:extLst>
-          </p:cNvPr>
-          <p:cNvPicPr>
-            <a:picLocks noChangeAspect="1" noChangeArrowheads="1"/>
-          </p:cNvPicPr>
-          <p:nvPr/>
-        </p:nvPicPr>
-        <p:blipFill>
-          <a:blip r:embed="rId2">
-            <a:extLst>
-              <a:ext uri="{28A0092B-C50C-407E-A947-70E740481C1C}">
-                <a14:useLocalDpi xmlns:a14="http://schemas.microsoft.com/office/drawing/2010/main" val="0"/>
-              </a:ext>
-            </a:extLst>
-          </a:blip>
-          <a:srcRect/>
-          <a:stretch>
-            <a:fillRect/>
-          </a:stretch>
-        </p:blipFill>
-        <p:spPr bwMode="auto">
-          <a:xfrm>
-            <a:off x="0" y="0"/>
-            <a:ext cx="9140825" cy="5141913"/>
-          </a:xfrm>
-          <a:prstGeom prst="rect">
-            <a:avLst/>
-          </a:prstGeom>
-          <a:noFill/>
-          <a:ln>
-            <a:noFill/>
-          </a:ln>
-          <a:extLst>
-            <a:ext uri="{909E8E84-426E-40DD-AFC4-6F175D3DCCD1}">
-              <a14:hiddenFill xmlns:a14="http://schemas.microsoft.com/office/drawing/2010/main">
-                <a:solidFill>
-                  <a:srgbClr val="FFFFFF"/>
-                </a:solidFill>
-              </a14:hiddenFill>
-            </a:ext>
-            <a:ext uri="{91240B29-F687-4F45-9708-019B960494DF}">
-              <a14:hiddenLine xmlns:a14="http://schemas.microsoft.com/office/drawing/2010/main" w="9525">
-                <a:solidFill>
-                  <a:srgbClr val="000000"/>
-                </a:solidFill>
-                <a:miter lim="800000"/>
-                <a:headEnd/>
-                <a:tailEnd/>
-              </a14:hiddenLine>
-            </a:ext>
-          </a:extLst>
-        </p:spPr>
-      </p:pic>
       <p:sp>
         <p:nvSpPr>
           <p:cNvPr id="8195" name="Title 1">
             <a:extLst>
               <a:ext uri="{FF2B5EF4-FFF2-40B4-BE49-F238E27FC236}">
-                <a16:creationId xmlns:a16="http://schemas.microsoft.com/office/drawing/2014/main" id="{286BEDC2-5DE8-461F-A660-C112CAD8CFF7}"/>
+                <a16:creationId xmlns:a16="http://schemas.microsoft.com/office/drawing/2014/main" id="{94DB3CD8-71FB-4967-8D16-B8CA33DD3B35}"/>
               </a:ext>
             </a:extLst>
           </p:cNvPr>
@@ -14257,778 +13419,10 @@
       </p:sp>
       <p:sp>
         <p:nvSpPr>
-          <p:cNvPr id="8196" name="矩形 3">
-            <a:extLst>
-              <a:ext uri="{FF2B5EF4-FFF2-40B4-BE49-F238E27FC236}">
-                <a16:creationId xmlns:a16="http://schemas.microsoft.com/office/drawing/2014/main" id="{85FF1B7D-5D11-4B34-8C6E-311CF7F0C97C}"/>
-              </a:ext>
-            </a:extLst>
-          </p:cNvPr>
-          <p:cNvSpPr>
-            <a:spLocks noChangeArrowheads="1"/>
-          </p:cNvSpPr>
-          <p:nvPr/>
-        </p:nvSpPr>
-        <p:spPr bwMode="auto">
-          <a:xfrm>
-            <a:off x="4357688" y="3019425"/>
-            <a:ext cx="2662237" cy="923925"/>
-          </a:xfrm>
-          <a:prstGeom prst="rect">
-            <a:avLst/>
-          </a:prstGeom>
-          <a:noFill/>
-          <a:ln>
-            <a:noFill/>
-          </a:ln>
-          <a:extLst>
-            <a:ext uri="{909E8E84-426E-40DD-AFC4-6F175D3DCCD1}">
-              <a14:hiddenFill xmlns:a14="http://schemas.microsoft.com/office/drawing/2010/main">
-                <a:solidFill>
-                  <a:srgbClr val="FFFFFF"/>
-                </a:solidFill>
-              </a14:hiddenFill>
-            </a:ext>
-            <a:ext uri="{91240B29-F687-4F45-9708-019B960494DF}">
-              <a14:hiddenLine xmlns:a14="http://schemas.microsoft.com/office/drawing/2010/main" w="9525">
-                <a:solidFill>
-                  <a:srgbClr val="000000"/>
-                </a:solidFill>
-                <a:miter lim="800000"/>
-                <a:headEnd/>
-                <a:tailEnd/>
-              </a14:hiddenLine>
-            </a:ext>
-          </a:extLst>
-        </p:spPr>
-        <p:txBody>
-          <a:bodyPr>
-            <a:spAutoFit/>
-          </a:bodyPr>
-          <a:lstStyle>
-            <a:lvl1pPr>
-              <a:buFont typeface="Arial" panose="020B0604020202020204" pitchFamily="34" charset="0"/>
-              <a:defRPr>
-                <a:solidFill>
-                  <a:schemeClr val="tx1"/>
-                </a:solidFill>
-                <a:latin typeface="Arial" panose="020B0604020202020204" pitchFamily="34" charset="0"/>
-                <a:ea typeface="宋体" panose="02010600030101010101" pitchFamily="2" charset="-122"/>
-              </a:defRPr>
-            </a:lvl1pPr>
-            <a:lvl2pPr marL="742950" indent="-285750">
-              <a:buFont typeface="Arial" panose="020B0604020202020204" pitchFamily="34" charset="0"/>
-              <a:defRPr>
-                <a:solidFill>
-                  <a:schemeClr val="tx1"/>
-                </a:solidFill>
-                <a:latin typeface="Arial" panose="020B0604020202020204" pitchFamily="34" charset="0"/>
-                <a:ea typeface="宋体" panose="02010600030101010101" pitchFamily="2" charset="-122"/>
-              </a:defRPr>
-            </a:lvl2pPr>
-            <a:lvl3pPr marL="1143000" indent="-228600">
-              <a:buFont typeface="Arial" panose="020B0604020202020204" pitchFamily="34" charset="0"/>
-              <a:defRPr>
-                <a:solidFill>
-                  <a:schemeClr val="tx1"/>
-                </a:solidFill>
-                <a:latin typeface="Arial" panose="020B0604020202020204" pitchFamily="34" charset="0"/>
-                <a:ea typeface="宋体" panose="02010600030101010101" pitchFamily="2" charset="-122"/>
-              </a:defRPr>
-            </a:lvl3pPr>
-            <a:lvl4pPr marL="1600200" indent="-228600">
-              <a:buFont typeface="Arial" panose="020B0604020202020204" pitchFamily="34" charset="0"/>
-              <a:defRPr>
-                <a:solidFill>
-                  <a:schemeClr val="tx1"/>
-                </a:solidFill>
-                <a:latin typeface="Arial" panose="020B0604020202020204" pitchFamily="34" charset="0"/>
-                <a:ea typeface="宋体" panose="02010600030101010101" pitchFamily="2" charset="-122"/>
-              </a:defRPr>
-            </a:lvl4pPr>
-            <a:lvl5pPr marL="2057400" indent="-228600">
-              <a:buFont typeface="Arial" panose="020B0604020202020204" pitchFamily="34" charset="0"/>
-              <a:defRPr>
-                <a:solidFill>
-                  <a:schemeClr val="tx1"/>
-                </a:solidFill>
-                <a:latin typeface="Arial" panose="020B0604020202020204" pitchFamily="34" charset="0"/>
-                <a:ea typeface="宋体" panose="02010600030101010101" pitchFamily="2" charset="-122"/>
-              </a:defRPr>
-            </a:lvl5pPr>
-            <a:lvl6pPr marL="2514600" indent="-228600" eaLnBrk="0" fontAlgn="base" hangingPunct="0">
-              <a:spcBef>
-                <a:spcPct val="0"/>
-              </a:spcBef>
-              <a:spcAft>
-                <a:spcPct val="0"/>
-              </a:spcAft>
-              <a:buFont typeface="Arial" panose="020B0604020202020204" pitchFamily="34" charset="0"/>
-              <a:defRPr>
-                <a:solidFill>
-                  <a:schemeClr val="tx1"/>
-                </a:solidFill>
-                <a:latin typeface="Arial" panose="020B0604020202020204" pitchFamily="34" charset="0"/>
-                <a:ea typeface="宋体" panose="02010600030101010101" pitchFamily="2" charset="-122"/>
-              </a:defRPr>
-            </a:lvl6pPr>
-            <a:lvl7pPr marL="2971800" indent="-228600" eaLnBrk="0" fontAlgn="base" hangingPunct="0">
-              <a:spcBef>
-                <a:spcPct val="0"/>
-              </a:spcBef>
-              <a:spcAft>
-                <a:spcPct val="0"/>
-              </a:spcAft>
-              <a:buFont typeface="Arial" panose="020B0604020202020204" pitchFamily="34" charset="0"/>
-              <a:defRPr>
-                <a:solidFill>
-                  <a:schemeClr val="tx1"/>
-                </a:solidFill>
-                <a:latin typeface="Arial" panose="020B0604020202020204" pitchFamily="34" charset="0"/>
-                <a:ea typeface="宋体" panose="02010600030101010101" pitchFamily="2" charset="-122"/>
-              </a:defRPr>
-            </a:lvl7pPr>
-            <a:lvl8pPr marL="3429000" indent="-228600" eaLnBrk="0" fontAlgn="base" hangingPunct="0">
-              <a:spcBef>
-                <a:spcPct val="0"/>
-              </a:spcBef>
-              <a:spcAft>
-                <a:spcPct val="0"/>
-              </a:spcAft>
-              <a:buFont typeface="Arial" panose="020B0604020202020204" pitchFamily="34" charset="0"/>
-              <a:defRPr>
-                <a:solidFill>
-                  <a:schemeClr val="tx1"/>
-                </a:solidFill>
-                <a:latin typeface="Arial" panose="020B0604020202020204" pitchFamily="34" charset="0"/>
-                <a:ea typeface="宋体" panose="02010600030101010101" pitchFamily="2" charset="-122"/>
-              </a:defRPr>
-            </a:lvl8pPr>
-            <a:lvl9pPr marL="3886200" indent="-228600" eaLnBrk="0" fontAlgn="base" hangingPunct="0">
-              <a:spcBef>
-                <a:spcPct val="0"/>
-              </a:spcBef>
-              <a:spcAft>
-                <a:spcPct val="0"/>
-              </a:spcAft>
-              <a:buFont typeface="Arial" panose="020B0604020202020204" pitchFamily="34" charset="0"/>
-              <a:defRPr>
-                <a:solidFill>
-                  <a:schemeClr val="tx1"/>
-                </a:solidFill>
-                <a:latin typeface="Arial" panose="020B0604020202020204" pitchFamily="34" charset="0"/>
-                <a:ea typeface="宋体" panose="02010600030101010101" pitchFamily="2" charset="-122"/>
-              </a:defRPr>
-            </a:lvl9pPr>
-          </a:lstStyle>
-          <a:p>
-            <a:pPr eaLnBrk="1" hangingPunct="1"/>
-            <a:r>
-              <a:rPr lang="en-US" altLang="zh-CN" sz="900">
-                <a:solidFill>
-                  <a:srgbClr val="7F7F7F"/>
-                </a:solidFill>
-                <a:latin typeface="微软雅黑" panose="020B0503020204020204" pitchFamily="34" charset="-122"/>
-                <a:ea typeface="微软雅黑" panose="020B0503020204020204" pitchFamily="34" charset="-122"/>
-                <a:sym typeface="微软雅黑" panose="020B0503020204020204" pitchFamily="34" charset="-122"/>
-              </a:rPr>
-              <a:t>CSDN</a:t>
-            </a:r>
-            <a:r>
-              <a:rPr lang="zh-CN" altLang="en-US" sz="900">
-                <a:solidFill>
-                  <a:srgbClr val="7F7F7F"/>
-                </a:solidFill>
-                <a:latin typeface="微软雅黑" panose="020B0503020204020204" pitchFamily="34" charset="-122"/>
-                <a:ea typeface="微软雅黑" panose="020B0503020204020204" pitchFamily="34" charset="-122"/>
-                <a:sym typeface="微软雅黑" panose="020B0503020204020204" pitchFamily="34" charset="-122"/>
-              </a:rPr>
-              <a:t>网站：</a:t>
-            </a:r>
-            <a:r>
-              <a:rPr lang="en-US" altLang="zh-CN" sz="900">
-                <a:solidFill>
-                  <a:srgbClr val="7F7F7F"/>
-                </a:solidFill>
-                <a:latin typeface="微软雅黑" panose="020B0503020204020204" pitchFamily="34" charset="-122"/>
-                <a:ea typeface="微软雅黑" panose="020B0503020204020204" pitchFamily="34" charset="-122"/>
-                <a:sym typeface="微软雅黑" panose="020B0503020204020204" pitchFamily="34" charset="-122"/>
-              </a:rPr>
-              <a:t>www.csdn.net</a:t>
-            </a:r>
-            <a:endParaRPr lang="zh-CN" altLang="en-US" sz="900">
-              <a:solidFill>
-                <a:srgbClr val="7F7F7F"/>
-              </a:solidFill>
-              <a:latin typeface="微软雅黑" panose="020B0503020204020204" pitchFamily="34" charset="-122"/>
-              <a:ea typeface="微软雅黑" panose="020B0503020204020204" pitchFamily="34" charset="-122"/>
-              <a:sym typeface="微软雅黑" panose="020B0503020204020204" pitchFamily="34" charset="-122"/>
-            </a:endParaRPr>
-          </a:p>
-          <a:p>
-            <a:pPr eaLnBrk="1" hangingPunct="1"/>
-            <a:r>
-              <a:rPr lang="zh-CN" altLang="en-US" sz="900">
-                <a:solidFill>
-                  <a:srgbClr val="7F7F7F"/>
-                </a:solidFill>
-                <a:latin typeface="微软雅黑" panose="020B0503020204020204" pitchFamily="34" charset="-122"/>
-                <a:ea typeface="微软雅黑" panose="020B0503020204020204" pitchFamily="34" charset="-122"/>
-                <a:sym typeface="微软雅黑" panose="020B0503020204020204" pitchFamily="34" charset="-122"/>
-              </a:rPr>
-              <a:t>企业服务：</a:t>
-            </a:r>
-            <a:r>
-              <a:rPr lang="en-US" altLang="zh-CN" sz="900">
-                <a:solidFill>
-                  <a:srgbClr val="7F7F7F"/>
-                </a:solidFill>
-                <a:latin typeface="微软雅黑" panose="020B0503020204020204" pitchFamily="34" charset="-122"/>
-                <a:ea typeface="微软雅黑" panose="020B0503020204020204" pitchFamily="34" charset="-122"/>
-                <a:sym typeface="微软雅黑" panose="020B0503020204020204" pitchFamily="34" charset="-122"/>
-              </a:rPr>
-              <a:t>http://ems.csdn.net/</a:t>
-            </a:r>
-            <a:endParaRPr lang="zh-CN" altLang="en-US" sz="900">
-              <a:solidFill>
-                <a:srgbClr val="7F7F7F"/>
-              </a:solidFill>
-              <a:latin typeface="微软雅黑" panose="020B0503020204020204" pitchFamily="34" charset="-122"/>
-              <a:ea typeface="微软雅黑" panose="020B0503020204020204" pitchFamily="34" charset="-122"/>
-              <a:sym typeface="微软雅黑" panose="020B0503020204020204" pitchFamily="34" charset="-122"/>
-            </a:endParaRPr>
-          </a:p>
-          <a:p>
-            <a:pPr eaLnBrk="1" hangingPunct="1"/>
-            <a:r>
-              <a:rPr lang="zh-CN" altLang="en-US" sz="900">
-                <a:solidFill>
-                  <a:srgbClr val="7F7F7F"/>
-                </a:solidFill>
-                <a:latin typeface="微软雅黑" panose="020B0503020204020204" pitchFamily="34" charset="-122"/>
-                <a:ea typeface="微软雅黑" panose="020B0503020204020204" pitchFamily="34" charset="-122"/>
-                <a:sym typeface="微软雅黑" panose="020B0503020204020204" pitchFamily="34" charset="-122"/>
-              </a:rPr>
-              <a:t>人才服务：</a:t>
-            </a:r>
-            <a:r>
-              <a:rPr lang="en-US" altLang="zh-CN" sz="900">
-                <a:solidFill>
-                  <a:srgbClr val="7F7F7F"/>
-                </a:solidFill>
-                <a:latin typeface="微软雅黑" panose="020B0503020204020204" pitchFamily="34" charset="-122"/>
-                <a:ea typeface="微软雅黑" panose="020B0503020204020204" pitchFamily="34" charset="-122"/>
-                <a:sym typeface="微软雅黑" panose="020B0503020204020204" pitchFamily="34" charset="-122"/>
-              </a:rPr>
-              <a:t>http://job.csdn.net/</a:t>
-            </a:r>
-            <a:endParaRPr lang="zh-CN" altLang="en-US" sz="900">
-              <a:solidFill>
-                <a:srgbClr val="7F7F7F"/>
-              </a:solidFill>
-              <a:latin typeface="微软雅黑" panose="020B0503020204020204" pitchFamily="34" charset="-122"/>
-              <a:ea typeface="微软雅黑" panose="020B0503020204020204" pitchFamily="34" charset="-122"/>
-              <a:sym typeface="微软雅黑" panose="020B0503020204020204" pitchFamily="34" charset="-122"/>
-            </a:endParaRPr>
-          </a:p>
-          <a:p>
-            <a:pPr eaLnBrk="1" hangingPunct="1"/>
-            <a:r>
-              <a:rPr lang="en-US" altLang="zh-CN" sz="900">
-                <a:solidFill>
-                  <a:srgbClr val="7F7F7F"/>
-                </a:solidFill>
-                <a:latin typeface="微软雅黑" panose="020B0503020204020204" pitchFamily="34" charset="-122"/>
-                <a:ea typeface="微软雅黑" panose="020B0503020204020204" pitchFamily="34" charset="-122"/>
-                <a:sym typeface="微软雅黑" panose="020B0503020204020204" pitchFamily="34" charset="-122"/>
-              </a:rPr>
-              <a:t>CTO</a:t>
-            </a:r>
-            <a:r>
-              <a:rPr lang="zh-CN" altLang="en-US" sz="900">
-                <a:solidFill>
-                  <a:srgbClr val="7F7F7F"/>
-                </a:solidFill>
-                <a:latin typeface="微软雅黑" panose="020B0503020204020204" pitchFamily="34" charset="-122"/>
-                <a:ea typeface="微软雅黑" panose="020B0503020204020204" pitchFamily="34" charset="-122"/>
-                <a:sym typeface="微软雅黑" panose="020B0503020204020204" pitchFamily="34" charset="-122"/>
-              </a:rPr>
-              <a:t>俱乐部：</a:t>
-            </a:r>
-            <a:r>
-              <a:rPr lang="en-US" altLang="zh-CN" sz="900">
-                <a:solidFill>
-                  <a:srgbClr val="7F7F7F"/>
-                </a:solidFill>
-                <a:latin typeface="微软雅黑" panose="020B0503020204020204" pitchFamily="34" charset="-122"/>
-                <a:ea typeface="微软雅黑" panose="020B0503020204020204" pitchFamily="34" charset="-122"/>
-                <a:sym typeface="微软雅黑" panose="020B0503020204020204" pitchFamily="34" charset="-122"/>
-              </a:rPr>
-              <a:t>http://cto.csdn.net/</a:t>
-            </a:r>
-            <a:endParaRPr lang="zh-CN" altLang="en-US" sz="900">
-              <a:solidFill>
-                <a:srgbClr val="7F7F7F"/>
-              </a:solidFill>
-              <a:latin typeface="微软雅黑" panose="020B0503020204020204" pitchFamily="34" charset="-122"/>
-              <a:ea typeface="微软雅黑" panose="020B0503020204020204" pitchFamily="34" charset="-122"/>
-              <a:sym typeface="微软雅黑" panose="020B0503020204020204" pitchFamily="34" charset="-122"/>
-            </a:endParaRPr>
-          </a:p>
-          <a:p>
-            <a:pPr eaLnBrk="1" hangingPunct="1"/>
-            <a:r>
-              <a:rPr lang="zh-CN" altLang="en-US" sz="900">
-                <a:solidFill>
-                  <a:srgbClr val="7F7F7F"/>
-                </a:solidFill>
-                <a:latin typeface="微软雅黑" panose="020B0503020204020204" pitchFamily="34" charset="-122"/>
-                <a:ea typeface="微软雅黑" panose="020B0503020204020204" pitchFamily="34" charset="-122"/>
-                <a:sym typeface="微软雅黑" panose="020B0503020204020204" pitchFamily="34" charset="-122"/>
-              </a:rPr>
-              <a:t>高校俱乐部：</a:t>
-            </a:r>
-            <a:r>
-              <a:rPr lang="en-US" altLang="zh-CN" sz="900">
-                <a:solidFill>
-                  <a:srgbClr val="7F7F7F"/>
-                </a:solidFill>
-                <a:latin typeface="微软雅黑" panose="020B0503020204020204" pitchFamily="34" charset="-122"/>
-                <a:ea typeface="微软雅黑" panose="020B0503020204020204" pitchFamily="34" charset="-122"/>
-                <a:sym typeface="微软雅黑" panose="020B0503020204020204" pitchFamily="34" charset="-122"/>
-              </a:rPr>
-              <a:t>http://student.csdn.net/</a:t>
-            </a:r>
-            <a:endParaRPr lang="zh-CN" altLang="en-US" sz="900">
-              <a:solidFill>
-                <a:srgbClr val="7F7F7F"/>
-              </a:solidFill>
-              <a:latin typeface="微软雅黑" panose="020B0503020204020204" pitchFamily="34" charset="-122"/>
-              <a:ea typeface="微软雅黑" panose="020B0503020204020204" pitchFamily="34" charset="-122"/>
-              <a:sym typeface="微软雅黑" panose="020B0503020204020204" pitchFamily="34" charset="-122"/>
-            </a:endParaRPr>
-          </a:p>
-          <a:p>
-            <a:pPr eaLnBrk="1" hangingPunct="1"/>
-            <a:r>
-              <a:rPr lang="zh-CN" altLang="en-US" sz="900">
-                <a:solidFill>
-                  <a:srgbClr val="7F7F7F"/>
-                </a:solidFill>
-                <a:latin typeface="微软雅黑" panose="020B0503020204020204" pitchFamily="34" charset="-122"/>
-                <a:ea typeface="微软雅黑" panose="020B0503020204020204" pitchFamily="34" charset="-122"/>
-                <a:sym typeface="微软雅黑" panose="020B0503020204020204" pitchFamily="34" charset="-122"/>
-              </a:rPr>
-              <a:t>程序员杂志：</a:t>
-            </a:r>
-            <a:r>
-              <a:rPr lang="en-US" altLang="zh-CN" sz="900">
-                <a:solidFill>
-                  <a:srgbClr val="7F7F7F"/>
-                </a:solidFill>
-                <a:latin typeface="微软雅黑" panose="020B0503020204020204" pitchFamily="34" charset="-122"/>
-                <a:ea typeface="微软雅黑" panose="020B0503020204020204" pitchFamily="34" charset="-122"/>
-                <a:sym typeface="微软雅黑" panose="020B0503020204020204" pitchFamily="34" charset="-122"/>
-              </a:rPr>
-              <a:t>http://programmer.csdn.net/</a:t>
-            </a:r>
-          </a:p>
-        </p:txBody>
-      </p:sp>
-      <p:sp>
-        <p:nvSpPr>
-          <p:cNvPr id="8197" name="矩形 4">
-            <a:extLst>
-              <a:ext uri="{FF2B5EF4-FFF2-40B4-BE49-F238E27FC236}">
-                <a16:creationId xmlns:a16="http://schemas.microsoft.com/office/drawing/2014/main" id="{913E705F-1AF2-4C10-BCBE-C98DAC143122}"/>
-              </a:ext>
-            </a:extLst>
-          </p:cNvPr>
-          <p:cNvSpPr>
-            <a:spLocks noChangeArrowheads="1"/>
-          </p:cNvSpPr>
-          <p:nvPr/>
-        </p:nvSpPr>
-        <p:spPr bwMode="auto">
-          <a:xfrm>
-            <a:off x="4368800" y="3952875"/>
-            <a:ext cx="4572000" cy="923925"/>
-          </a:xfrm>
-          <a:prstGeom prst="rect">
-            <a:avLst/>
-          </a:prstGeom>
-          <a:noFill/>
-          <a:ln>
-            <a:noFill/>
-          </a:ln>
-          <a:extLst>
-            <a:ext uri="{909E8E84-426E-40DD-AFC4-6F175D3DCCD1}">
-              <a14:hiddenFill xmlns:a14="http://schemas.microsoft.com/office/drawing/2010/main">
-                <a:solidFill>
-                  <a:srgbClr val="FFFFFF"/>
-                </a:solidFill>
-              </a14:hiddenFill>
-            </a:ext>
-            <a:ext uri="{91240B29-F687-4F45-9708-019B960494DF}">
-              <a14:hiddenLine xmlns:a14="http://schemas.microsoft.com/office/drawing/2010/main" w="9525">
-                <a:solidFill>
-                  <a:srgbClr val="000000"/>
-                </a:solidFill>
-                <a:miter lim="800000"/>
-                <a:headEnd/>
-                <a:tailEnd/>
-              </a14:hiddenLine>
-            </a:ext>
-          </a:extLst>
-        </p:spPr>
-        <p:txBody>
-          <a:bodyPr>
-            <a:spAutoFit/>
-          </a:bodyPr>
-          <a:lstStyle>
-            <a:lvl1pPr>
-              <a:buFont typeface="Arial" panose="020B0604020202020204" pitchFamily="34" charset="0"/>
-              <a:defRPr>
-                <a:solidFill>
-                  <a:schemeClr val="tx1"/>
-                </a:solidFill>
-                <a:latin typeface="Arial" panose="020B0604020202020204" pitchFamily="34" charset="0"/>
-                <a:ea typeface="宋体" panose="02010600030101010101" pitchFamily="2" charset="-122"/>
-              </a:defRPr>
-            </a:lvl1pPr>
-            <a:lvl2pPr marL="742950" indent="-285750">
-              <a:buFont typeface="Arial" panose="020B0604020202020204" pitchFamily="34" charset="0"/>
-              <a:defRPr>
-                <a:solidFill>
-                  <a:schemeClr val="tx1"/>
-                </a:solidFill>
-                <a:latin typeface="Arial" panose="020B0604020202020204" pitchFamily="34" charset="0"/>
-                <a:ea typeface="宋体" panose="02010600030101010101" pitchFamily="2" charset="-122"/>
-              </a:defRPr>
-            </a:lvl2pPr>
-            <a:lvl3pPr marL="1143000" indent="-228600">
-              <a:buFont typeface="Arial" panose="020B0604020202020204" pitchFamily="34" charset="0"/>
-              <a:defRPr>
-                <a:solidFill>
-                  <a:schemeClr val="tx1"/>
-                </a:solidFill>
-                <a:latin typeface="Arial" panose="020B0604020202020204" pitchFamily="34" charset="0"/>
-                <a:ea typeface="宋体" panose="02010600030101010101" pitchFamily="2" charset="-122"/>
-              </a:defRPr>
-            </a:lvl3pPr>
-            <a:lvl4pPr marL="1600200" indent="-228600">
-              <a:buFont typeface="Arial" panose="020B0604020202020204" pitchFamily="34" charset="0"/>
-              <a:defRPr>
-                <a:solidFill>
-                  <a:schemeClr val="tx1"/>
-                </a:solidFill>
-                <a:latin typeface="Arial" panose="020B0604020202020204" pitchFamily="34" charset="0"/>
-                <a:ea typeface="宋体" panose="02010600030101010101" pitchFamily="2" charset="-122"/>
-              </a:defRPr>
-            </a:lvl4pPr>
-            <a:lvl5pPr marL="2057400" indent="-228600">
-              <a:buFont typeface="Arial" panose="020B0604020202020204" pitchFamily="34" charset="0"/>
-              <a:defRPr>
-                <a:solidFill>
-                  <a:schemeClr val="tx1"/>
-                </a:solidFill>
-                <a:latin typeface="Arial" panose="020B0604020202020204" pitchFamily="34" charset="0"/>
-                <a:ea typeface="宋体" panose="02010600030101010101" pitchFamily="2" charset="-122"/>
-              </a:defRPr>
-            </a:lvl5pPr>
-            <a:lvl6pPr marL="2514600" indent="-228600" eaLnBrk="0" fontAlgn="base" hangingPunct="0">
-              <a:spcBef>
-                <a:spcPct val="0"/>
-              </a:spcBef>
-              <a:spcAft>
-                <a:spcPct val="0"/>
-              </a:spcAft>
-              <a:buFont typeface="Arial" panose="020B0604020202020204" pitchFamily="34" charset="0"/>
-              <a:defRPr>
-                <a:solidFill>
-                  <a:schemeClr val="tx1"/>
-                </a:solidFill>
-                <a:latin typeface="Arial" panose="020B0604020202020204" pitchFamily="34" charset="0"/>
-                <a:ea typeface="宋体" panose="02010600030101010101" pitchFamily="2" charset="-122"/>
-              </a:defRPr>
-            </a:lvl6pPr>
-            <a:lvl7pPr marL="2971800" indent="-228600" eaLnBrk="0" fontAlgn="base" hangingPunct="0">
-              <a:spcBef>
-                <a:spcPct val="0"/>
-              </a:spcBef>
-              <a:spcAft>
-                <a:spcPct val="0"/>
-              </a:spcAft>
-              <a:buFont typeface="Arial" panose="020B0604020202020204" pitchFamily="34" charset="0"/>
-              <a:defRPr>
-                <a:solidFill>
-                  <a:schemeClr val="tx1"/>
-                </a:solidFill>
-                <a:latin typeface="Arial" panose="020B0604020202020204" pitchFamily="34" charset="0"/>
-                <a:ea typeface="宋体" panose="02010600030101010101" pitchFamily="2" charset="-122"/>
-              </a:defRPr>
-            </a:lvl7pPr>
-            <a:lvl8pPr marL="3429000" indent="-228600" eaLnBrk="0" fontAlgn="base" hangingPunct="0">
-              <a:spcBef>
-                <a:spcPct val="0"/>
-              </a:spcBef>
-              <a:spcAft>
-                <a:spcPct val="0"/>
-              </a:spcAft>
-              <a:buFont typeface="Arial" panose="020B0604020202020204" pitchFamily="34" charset="0"/>
-              <a:defRPr>
-                <a:solidFill>
-                  <a:schemeClr val="tx1"/>
-                </a:solidFill>
-                <a:latin typeface="Arial" panose="020B0604020202020204" pitchFamily="34" charset="0"/>
-                <a:ea typeface="宋体" panose="02010600030101010101" pitchFamily="2" charset="-122"/>
-              </a:defRPr>
-            </a:lvl8pPr>
-            <a:lvl9pPr marL="3886200" indent="-228600" eaLnBrk="0" fontAlgn="base" hangingPunct="0">
-              <a:spcBef>
-                <a:spcPct val="0"/>
-              </a:spcBef>
-              <a:spcAft>
-                <a:spcPct val="0"/>
-              </a:spcAft>
-              <a:buFont typeface="Arial" panose="020B0604020202020204" pitchFamily="34" charset="0"/>
-              <a:defRPr>
-                <a:solidFill>
-                  <a:schemeClr val="tx1"/>
-                </a:solidFill>
-                <a:latin typeface="Arial" panose="020B0604020202020204" pitchFamily="34" charset="0"/>
-                <a:ea typeface="宋体" panose="02010600030101010101" pitchFamily="2" charset="-122"/>
-              </a:defRPr>
-            </a:lvl9pPr>
-          </a:lstStyle>
-          <a:p>
-            <a:pPr eaLnBrk="1" hangingPunct="1"/>
-            <a:r>
-              <a:rPr lang="en-US" altLang="zh-CN" sz="900">
-                <a:solidFill>
-                  <a:srgbClr val="7F7F7F"/>
-                </a:solidFill>
-                <a:latin typeface="微软雅黑" panose="020B0503020204020204" pitchFamily="34" charset="-122"/>
-                <a:ea typeface="微软雅黑" panose="020B0503020204020204" pitchFamily="34" charset="-122"/>
-                <a:sym typeface="微软雅黑" panose="020B0503020204020204" pitchFamily="34" charset="-122"/>
-              </a:rPr>
-              <a:t>CODE</a:t>
-            </a:r>
-            <a:r>
-              <a:rPr lang="zh-CN" altLang="en-US" sz="900">
-                <a:solidFill>
-                  <a:srgbClr val="7F7F7F"/>
-                </a:solidFill>
-                <a:latin typeface="微软雅黑" panose="020B0503020204020204" pitchFamily="34" charset="-122"/>
-                <a:ea typeface="微软雅黑" panose="020B0503020204020204" pitchFamily="34" charset="-122"/>
-                <a:sym typeface="微软雅黑" panose="020B0503020204020204" pitchFamily="34" charset="-122"/>
-              </a:rPr>
-              <a:t>平台：</a:t>
-            </a:r>
-            <a:r>
-              <a:rPr lang="en-US" altLang="zh-CN" sz="900">
-                <a:solidFill>
-                  <a:srgbClr val="7F7F7F"/>
-                </a:solidFill>
-                <a:latin typeface="微软雅黑" panose="020B0503020204020204" pitchFamily="34" charset="-122"/>
-                <a:ea typeface="微软雅黑" panose="020B0503020204020204" pitchFamily="34" charset="-122"/>
-                <a:sym typeface="微软雅黑" panose="020B0503020204020204" pitchFamily="34" charset="-122"/>
-              </a:rPr>
-              <a:t>https://code.csdn.net/</a:t>
-            </a:r>
-            <a:endParaRPr lang="zh-CN" altLang="en-US" sz="900">
-              <a:solidFill>
-                <a:srgbClr val="7F7F7F"/>
-              </a:solidFill>
-              <a:latin typeface="微软雅黑" panose="020B0503020204020204" pitchFamily="34" charset="-122"/>
-              <a:ea typeface="微软雅黑" panose="020B0503020204020204" pitchFamily="34" charset="-122"/>
-              <a:sym typeface="微软雅黑" panose="020B0503020204020204" pitchFamily="34" charset="-122"/>
-            </a:endParaRPr>
-          </a:p>
-          <a:p>
-            <a:pPr eaLnBrk="1" hangingPunct="1"/>
-            <a:r>
-              <a:rPr lang="zh-CN" altLang="en-US" sz="900">
-                <a:solidFill>
-                  <a:srgbClr val="7F7F7F"/>
-                </a:solidFill>
-                <a:latin typeface="微软雅黑" panose="020B0503020204020204" pitchFamily="34" charset="-122"/>
-                <a:ea typeface="微软雅黑" panose="020B0503020204020204" pitchFamily="34" charset="-122"/>
-                <a:sym typeface="微软雅黑" panose="020B0503020204020204" pitchFamily="34" charset="-122"/>
-              </a:rPr>
-              <a:t>项目外包：</a:t>
-            </a:r>
-            <a:r>
-              <a:rPr lang="en-US" altLang="zh-CN" sz="900">
-                <a:solidFill>
-                  <a:srgbClr val="7F7F7F"/>
-                </a:solidFill>
-                <a:latin typeface="微软雅黑" panose="020B0503020204020204" pitchFamily="34" charset="-122"/>
-                <a:ea typeface="微软雅黑" panose="020B0503020204020204" pitchFamily="34" charset="-122"/>
-                <a:sym typeface="微软雅黑" panose="020B0503020204020204" pitchFamily="34" charset="-122"/>
-              </a:rPr>
-              <a:t>http://www.csto.com/</a:t>
-            </a:r>
-            <a:endParaRPr lang="zh-CN" altLang="en-US" sz="900">
-              <a:solidFill>
-                <a:srgbClr val="7F7F7F"/>
-              </a:solidFill>
-              <a:latin typeface="微软雅黑" panose="020B0503020204020204" pitchFamily="34" charset="-122"/>
-              <a:ea typeface="微软雅黑" panose="020B0503020204020204" pitchFamily="34" charset="-122"/>
-              <a:sym typeface="微软雅黑" panose="020B0503020204020204" pitchFamily="34" charset="-122"/>
-            </a:endParaRPr>
-          </a:p>
-          <a:p>
-            <a:pPr eaLnBrk="1" hangingPunct="1"/>
-            <a:r>
-              <a:rPr lang="en-US" altLang="zh-CN" sz="900">
-                <a:solidFill>
-                  <a:srgbClr val="7F7F7F"/>
-                </a:solidFill>
-                <a:latin typeface="微软雅黑" panose="020B0503020204020204" pitchFamily="34" charset="-122"/>
-                <a:ea typeface="微软雅黑" panose="020B0503020204020204" pitchFamily="34" charset="-122"/>
-                <a:sym typeface="微软雅黑" panose="020B0503020204020204" pitchFamily="34" charset="-122"/>
-              </a:rPr>
-              <a:t>CSDN</a:t>
-            </a:r>
-            <a:r>
-              <a:rPr lang="zh-CN" altLang="en-US" sz="900">
-                <a:solidFill>
-                  <a:srgbClr val="7F7F7F"/>
-                </a:solidFill>
-                <a:latin typeface="微软雅黑" panose="020B0503020204020204" pitchFamily="34" charset="-122"/>
-                <a:ea typeface="微软雅黑" panose="020B0503020204020204" pitchFamily="34" charset="-122"/>
-                <a:sym typeface="微软雅黑" panose="020B0503020204020204" pitchFamily="34" charset="-122"/>
-              </a:rPr>
-              <a:t>博客：</a:t>
-            </a:r>
-            <a:r>
-              <a:rPr lang="en-US" altLang="zh-CN" sz="900">
-                <a:solidFill>
-                  <a:srgbClr val="7F7F7F"/>
-                </a:solidFill>
-                <a:latin typeface="微软雅黑" panose="020B0503020204020204" pitchFamily="34" charset="-122"/>
-                <a:ea typeface="微软雅黑" panose="020B0503020204020204" pitchFamily="34" charset="-122"/>
-                <a:sym typeface="微软雅黑" panose="020B0503020204020204" pitchFamily="34" charset="-122"/>
-              </a:rPr>
-              <a:t>http://blog.csdn.net/</a:t>
-            </a:r>
-            <a:endParaRPr lang="zh-CN" altLang="en-US" sz="900">
-              <a:solidFill>
-                <a:srgbClr val="7F7F7F"/>
-              </a:solidFill>
-              <a:latin typeface="微软雅黑" panose="020B0503020204020204" pitchFamily="34" charset="-122"/>
-              <a:ea typeface="微软雅黑" panose="020B0503020204020204" pitchFamily="34" charset="-122"/>
-              <a:sym typeface="微软雅黑" panose="020B0503020204020204" pitchFamily="34" charset="-122"/>
-            </a:endParaRPr>
-          </a:p>
-          <a:p>
-            <a:pPr eaLnBrk="1" hangingPunct="1"/>
-            <a:r>
-              <a:rPr lang="en-US" altLang="zh-CN" sz="900">
-                <a:solidFill>
-                  <a:srgbClr val="7F7F7F"/>
-                </a:solidFill>
-                <a:latin typeface="微软雅黑" panose="020B0503020204020204" pitchFamily="34" charset="-122"/>
-                <a:ea typeface="微软雅黑" panose="020B0503020204020204" pitchFamily="34" charset="-122"/>
-                <a:sym typeface="微软雅黑" panose="020B0503020204020204" pitchFamily="34" charset="-122"/>
-              </a:rPr>
-              <a:t>CSDN</a:t>
-            </a:r>
-            <a:r>
-              <a:rPr lang="zh-CN" altLang="en-US" sz="900">
-                <a:solidFill>
-                  <a:srgbClr val="7F7F7F"/>
-                </a:solidFill>
-                <a:latin typeface="微软雅黑" panose="020B0503020204020204" pitchFamily="34" charset="-122"/>
-                <a:ea typeface="微软雅黑" panose="020B0503020204020204" pitchFamily="34" charset="-122"/>
-                <a:sym typeface="微软雅黑" panose="020B0503020204020204" pitchFamily="34" charset="-122"/>
-              </a:rPr>
-              <a:t>论坛：</a:t>
-            </a:r>
-            <a:r>
-              <a:rPr lang="en-US" altLang="zh-CN" sz="900">
-                <a:solidFill>
-                  <a:srgbClr val="7F7F7F"/>
-                </a:solidFill>
-                <a:latin typeface="微软雅黑" panose="020B0503020204020204" pitchFamily="34" charset="-122"/>
-                <a:ea typeface="微软雅黑" panose="020B0503020204020204" pitchFamily="34" charset="-122"/>
-                <a:sym typeface="微软雅黑" panose="020B0503020204020204" pitchFamily="34" charset="-122"/>
-              </a:rPr>
-              <a:t>http://bbs.csdn.net/</a:t>
-            </a:r>
-            <a:endParaRPr lang="zh-CN" altLang="en-US" sz="900">
-              <a:solidFill>
-                <a:srgbClr val="7F7F7F"/>
-              </a:solidFill>
-              <a:latin typeface="微软雅黑" panose="020B0503020204020204" pitchFamily="34" charset="-122"/>
-              <a:ea typeface="微软雅黑" panose="020B0503020204020204" pitchFamily="34" charset="-122"/>
-              <a:sym typeface="微软雅黑" panose="020B0503020204020204" pitchFamily="34" charset="-122"/>
-            </a:endParaRPr>
-          </a:p>
-          <a:p>
-            <a:pPr eaLnBrk="1" hangingPunct="1"/>
-            <a:r>
-              <a:rPr lang="en-US" altLang="zh-CN" sz="900">
-                <a:solidFill>
-                  <a:srgbClr val="7F7F7F"/>
-                </a:solidFill>
-                <a:latin typeface="微软雅黑" panose="020B0503020204020204" pitchFamily="34" charset="-122"/>
-                <a:ea typeface="微软雅黑" panose="020B0503020204020204" pitchFamily="34" charset="-122"/>
-                <a:sym typeface="微软雅黑" panose="020B0503020204020204" pitchFamily="34" charset="-122"/>
-              </a:rPr>
-              <a:t>CSDN</a:t>
-            </a:r>
-            <a:r>
-              <a:rPr lang="zh-CN" altLang="en-US" sz="900">
-                <a:solidFill>
-                  <a:srgbClr val="7F7F7F"/>
-                </a:solidFill>
-                <a:latin typeface="微软雅黑" panose="020B0503020204020204" pitchFamily="34" charset="-122"/>
-                <a:ea typeface="微软雅黑" panose="020B0503020204020204" pitchFamily="34" charset="-122"/>
-                <a:sym typeface="微软雅黑" panose="020B0503020204020204" pitchFamily="34" charset="-122"/>
-              </a:rPr>
-              <a:t>下载：</a:t>
-            </a:r>
-            <a:r>
-              <a:rPr lang="en-US" altLang="zh-CN" sz="900">
-                <a:solidFill>
-                  <a:srgbClr val="7F7F7F"/>
-                </a:solidFill>
-                <a:latin typeface="微软雅黑" panose="020B0503020204020204" pitchFamily="34" charset="-122"/>
-                <a:ea typeface="微软雅黑" panose="020B0503020204020204" pitchFamily="34" charset="-122"/>
-                <a:sym typeface="微软雅黑" panose="020B0503020204020204" pitchFamily="34" charset="-122"/>
-              </a:rPr>
-              <a:t>http://download.csdn.net/</a:t>
-            </a:r>
-            <a:endParaRPr lang="en-US" altLang="zh-CN" sz="900" b="1">
-              <a:solidFill>
-                <a:srgbClr val="7F7F7F"/>
-              </a:solidFill>
-              <a:latin typeface="微软雅黑" panose="020B0503020204020204" pitchFamily="34" charset="-122"/>
-              <a:ea typeface="微软雅黑" panose="020B0503020204020204" pitchFamily="34" charset="-122"/>
-              <a:sym typeface="微软雅黑" panose="020B0503020204020204" pitchFamily="34" charset="-122"/>
-            </a:endParaRPr>
-          </a:p>
-          <a:p>
-            <a:pPr eaLnBrk="1" hangingPunct="1"/>
-            <a:endParaRPr lang="zh-CN" altLang="en-US" sz="900">
-              <a:solidFill>
-                <a:srgbClr val="7F7F7F"/>
-              </a:solidFill>
-              <a:latin typeface="微软雅黑" panose="020B0503020204020204" pitchFamily="34" charset="-122"/>
-              <a:ea typeface="微软雅黑" panose="020B0503020204020204" pitchFamily="34" charset="-122"/>
-              <a:sym typeface="微软雅黑" panose="020B0503020204020204" pitchFamily="34" charset="-122"/>
-            </a:endParaRPr>
-          </a:p>
-        </p:txBody>
-      </p:sp>
-      <p:sp>
-        <p:nvSpPr>
           <p:cNvPr id="8198" name="文本框 5">
             <a:extLst>
               <a:ext uri="{FF2B5EF4-FFF2-40B4-BE49-F238E27FC236}">
-                <a16:creationId xmlns:a16="http://schemas.microsoft.com/office/drawing/2014/main" id="{F4903B76-B509-412E-8C5B-4CF57CE28EFC}"/>
+                <a16:creationId xmlns:a16="http://schemas.microsoft.com/office/drawing/2014/main" id="{C3033956-A2A9-4D76-84E1-6F53E52FBB80}"/>
               </a:ext>
             </a:extLst>
           </p:cNvPr>
@@ -15224,77 +13618,259 @@
           </a:p>
         </p:txBody>
       </p:sp>
+      <p:sp>
+        <p:nvSpPr>
+          <p:cNvPr id="8" name="矩形 6">
+            <a:extLst>
+              <a:ext uri="{FF2B5EF4-FFF2-40B4-BE49-F238E27FC236}">
+                <a16:creationId xmlns:a16="http://schemas.microsoft.com/office/drawing/2014/main" id="{97019FA3-2921-442A-AC31-53F7EAE1803B}"/>
+              </a:ext>
+            </a:extLst>
+          </p:cNvPr>
+          <p:cNvSpPr>
+            <a:spLocks noChangeArrowheads="1"/>
+          </p:cNvSpPr>
+          <p:nvPr/>
+        </p:nvSpPr>
+        <p:spPr bwMode="auto">
+          <a:xfrm>
+            <a:off x="0" y="4622222"/>
+            <a:ext cx="9144000" cy="538162"/>
+          </a:xfrm>
+          <a:prstGeom prst="rect">
+            <a:avLst/>
+          </a:prstGeom>
+          <a:solidFill>
+            <a:srgbClr val="C00000"/>
+          </a:solidFill>
+          <a:ln>
+            <a:noFill/>
+          </a:ln>
+          <a:extLst>
+            <a:ext uri="{91240B29-F687-4F45-9708-019B960494DF}">
+              <a14:hiddenLine xmlns:a14="http://schemas.microsoft.com/office/drawing/2010/main" w="25400">
+                <a:solidFill>
+                  <a:srgbClr val="395E8A"/>
+                </a:solidFill>
+                <a:bevel/>
+                <a:headEnd/>
+                <a:tailEnd/>
+              </a14:hiddenLine>
+            </a:ext>
+          </a:extLst>
+        </p:spPr>
+        <p:txBody>
+          <a:bodyPr anchor="ctr"/>
+          <a:lstStyle>
+            <a:lvl1pPr>
+              <a:buFont typeface="Arial" panose="020B0604020202020204" pitchFamily="34" charset="0"/>
+              <a:defRPr>
+                <a:solidFill>
+                  <a:schemeClr val="tx1"/>
+                </a:solidFill>
+                <a:latin typeface="Arial" panose="020B0604020202020204" pitchFamily="34" charset="0"/>
+                <a:ea typeface="宋体" panose="02010600030101010101" pitchFamily="2" charset="-122"/>
+              </a:defRPr>
+            </a:lvl1pPr>
+            <a:lvl2pPr marL="742950" indent="-285750">
+              <a:buFont typeface="Arial" panose="020B0604020202020204" pitchFamily="34" charset="0"/>
+              <a:defRPr>
+                <a:solidFill>
+                  <a:schemeClr val="tx1"/>
+                </a:solidFill>
+                <a:latin typeface="Arial" panose="020B0604020202020204" pitchFamily="34" charset="0"/>
+                <a:ea typeface="宋体" panose="02010600030101010101" pitchFamily="2" charset="-122"/>
+              </a:defRPr>
+            </a:lvl2pPr>
+            <a:lvl3pPr marL="1143000" indent="-228600">
+              <a:buFont typeface="Arial" panose="020B0604020202020204" pitchFamily="34" charset="0"/>
+              <a:defRPr>
+                <a:solidFill>
+                  <a:schemeClr val="tx1"/>
+                </a:solidFill>
+                <a:latin typeface="Arial" panose="020B0604020202020204" pitchFamily="34" charset="0"/>
+                <a:ea typeface="宋体" panose="02010600030101010101" pitchFamily="2" charset="-122"/>
+              </a:defRPr>
+            </a:lvl3pPr>
+            <a:lvl4pPr marL="1600200" indent="-228600">
+              <a:buFont typeface="Arial" panose="020B0604020202020204" pitchFamily="34" charset="0"/>
+              <a:defRPr>
+                <a:solidFill>
+                  <a:schemeClr val="tx1"/>
+                </a:solidFill>
+                <a:latin typeface="Arial" panose="020B0604020202020204" pitchFamily="34" charset="0"/>
+                <a:ea typeface="宋体" panose="02010600030101010101" pitchFamily="2" charset="-122"/>
+              </a:defRPr>
+            </a:lvl4pPr>
+            <a:lvl5pPr marL="2057400" indent="-228600">
+              <a:buFont typeface="Arial" panose="020B0604020202020204" pitchFamily="34" charset="0"/>
+              <a:defRPr>
+                <a:solidFill>
+                  <a:schemeClr val="tx1"/>
+                </a:solidFill>
+                <a:latin typeface="Arial" panose="020B0604020202020204" pitchFamily="34" charset="0"/>
+                <a:ea typeface="宋体" panose="02010600030101010101" pitchFamily="2" charset="-122"/>
+              </a:defRPr>
+            </a:lvl5pPr>
+            <a:lvl6pPr marL="2514600" indent="-228600" eaLnBrk="0" fontAlgn="base" hangingPunct="0">
+              <a:spcBef>
+                <a:spcPct val="0"/>
+              </a:spcBef>
+              <a:spcAft>
+                <a:spcPct val="0"/>
+              </a:spcAft>
+              <a:buFont typeface="Arial" panose="020B0604020202020204" pitchFamily="34" charset="0"/>
+              <a:defRPr>
+                <a:solidFill>
+                  <a:schemeClr val="tx1"/>
+                </a:solidFill>
+                <a:latin typeface="Arial" panose="020B0604020202020204" pitchFamily="34" charset="0"/>
+                <a:ea typeface="宋体" panose="02010600030101010101" pitchFamily="2" charset="-122"/>
+              </a:defRPr>
+            </a:lvl6pPr>
+            <a:lvl7pPr marL="2971800" indent="-228600" eaLnBrk="0" fontAlgn="base" hangingPunct="0">
+              <a:spcBef>
+                <a:spcPct val="0"/>
+              </a:spcBef>
+              <a:spcAft>
+                <a:spcPct val="0"/>
+              </a:spcAft>
+              <a:buFont typeface="Arial" panose="020B0604020202020204" pitchFamily="34" charset="0"/>
+              <a:defRPr>
+                <a:solidFill>
+                  <a:schemeClr val="tx1"/>
+                </a:solidFill>
+                <a:latin typeface="Arial" panose="020B0604020202020204" pitchFamily="34" charset="0"/>
+                <a:ea typeface="宋体" panose="02010600030101010101" pitchFamily="2" charset="-122"/>
+              </a:defRPr>
+            </a:lvl7pPr>
+            <a:lvl8pPr marL="3429000" indent="-228600" eaLnBrk="0" fontAlgn="base" hangingPunct="0">
+              <a:spcBef>
+                <a:spcPct val="0"/>
+              </a:spcBef>
+              <a:spcAft>
+                <a:spcPct val="0"/>
+              </a:spcAft>
+              <a:buFont typeface="Arial" panose="020B0604020202020204" pitchFamily="34" charset="0"/>
+              <a:defRPr>
+                <a:solidFill>
+                  <a:schemeClr val="tx1"/>
+                </a:solidFill>
+                <a:latin typeface="Arial" panose="020B0604020202020204" pitchFamily="34" charset="0"/>
+                <a:ea typeface="宋体" panose="02010600030101010101" pitchFamily="2" charset="-122"/>
+              </a:defRPr>
+            </a:lvl8pPr>
+            <a:lvl9pPr marL="3886200" indent="-228600" eaLnBrk="0" fontAlgn="base" hangingPunct="0">
+              <a:spcBef>
+                <a:spcPct val="0"/>
+              </a:spcBef>
+              <a:spcAft>
+                <a:spcPct val="0"/>
+              </a:spcAft>
+              <a:buFont typeface="Arial" panose="020B0604020202020204" pitchFamily="34" charset="0"/>
+              <a:defRPr>
+                <a:solidFill>
+                  <a:schemeClr val="tx1"/>
+                </a:solidFill>
+                <a:latin typeface="Arial" panose="020B0604020202020204" pitchFamily="34" charset="0"/>
+                <a:ea typeface="宋体" panose="02010600030101010101" pitchFamily="2" charset="-122"/>
+              </a:defRPr>
+            </a:lvl9pPr>
+          </a:lstStyle>
+          <a:p>
+            <a:pPr algn="ctr" eaLnBrk="1" hangingPunct="1"/>
+            <a:endParaRPr lang="zh-CN" altLang="zh-CN">
+              <a:solidFill>
+                <a:srgbClr val="FFFFFF"/>
+              </a:solidFill>
+              <a:latin typeface="宋体" panose="02010600030101010101" pitchFamily="2" charset="-122"/>
+              <a:sym typeface="宋体" panose="02010600030101010101" pitchFamily="2" charset="-122"/>
+            </a:endParaRPr>
+          </a:p>
+        </p:txBody>
+      </p:sp>
       <p:pic>
         <p:nvPicPr>
-          <p:cNvPr id="8199" name="Picture 2">
+          <p:cNvPr id="9" name="图片 8">
             <a:extLst>
               <a:ext uri="{FF2B5EF4-FFF2-40B4-BE49-F238E27FC236}">
-                <a16:creationId xmlns:a16="http://schemas.microsoft.com/office/drawing/2014/main" id="{7138A236-EAA8-4EA2-B044-6E8ECF6046B7}"/>
+                <a16:creationId xmlns:a16="http://schemas.microsoft.com/office/drawing/2014/main" id="{20998B28-A189-4803-A242-B5394D19D896}"/>
               </a:ext>
             </a:extLst>
           </p:cNvPr>
           <p:cNvPicPr>
-            <a:picLocks noChangeAspect="1" noChangeArrowheads="1"/>
+            <a:picLocks noChangeAspect="1"/>
           </p:cNvPicPr>
           <p:nvPr/>
         </p:nvPicPr>
         <p:blipFill>
-          <a:blip r:embed="rId3">
+          <a:blip r:embed="rId2">
             <a:extLst>
               <a:ext uri="{28A0092B-C50C-407E-A947-70E740481C1C}">
                 <a14:useLocalDpi xmlns:a14="http://schemas.microsoft.com/office/drawing/2010/main" val="0"/>
               </a:ext>
             </a:extLst>
           </a:blip>
-          <a:srcRect/>
           <a:stretch>
             <a:fillRect/>
           </a:stretch>
         </p:blipFill>
-        <p:spPr bwMode="auto">
+        <p:spPr>
           <a:xfrm>
-            <a:off x="107950" y="123825"/>
-            <a:ext cx="1296988" cy="539750"/>
+            <a:off x="251641" y="267559"/>
+            <a:ext cx="3379278" cy="4173683"/>
           </a:xfrm>
           <a:prstGeom prst="rect">
             <a:avLst/>
           </a:prstGeom>
-          <a:noFill/>
-          <a:ln>
-            <a:noFill/>
-          </a:ln>
-          <a:effectLst/>
-          <a:extLst>
-            <a:ext uri="{909E8E84-426E-40DD-AFC4-6F175D3DCCD1}">
-              <a14:hiddenFill xmlns:a14="http://schemas.microsoft.com/office/drawing/2010/main">
+        </p:spPr>
+      </p:pic>
+      <p:sp>
+        <p:nvSpPr>
+          <p:cNvPr id="10" name="矩形 9">
+            <a:extLst>
+              <a:ext uri="{FF2B5EF4-FFF2-40B4-BE49-F238E27FC236}">
+                <a16:creationId xmlns:a16="http://schemas.microsoft.com/office/drawing/2014/main" id="{786F9D3C-22E2-48DD-9EE6-2A4DB83E8E0C}"/>
+              </a:ext>
+            </a:extLst>
+          </p:cNvPr>
+          <p:cNvSpPr/>
+          <p:nvPr/>
+        </p:nvSpPr>
+        <p:spPr>
+          <a:xfrm>
+            <a:off x="6712629" y="4722628"/>
+            <a:ext cx="2431371" cy="369332"/>
+          </a:xfrm>
+          <a:prstGeom prst="rect">
+            <a:avLst/>
+          </a:prstGeom>
+        </p:spPr>
+        <p:txBody>
+          <a:bodyPr wrap="none">
+            <a:spAutoFit/>
+          </a:bodyPr>
+          <a:lstStyle/>
+          <a:p>
+            <a:r>
+              <a:rPr lang="en-US" altLang="zh-CN" dirty="0">
                 <a:solidFill>
                   <a:srgbClr val="FFFFFF"/>
                 </a:solidFill>
-              </a14:hiddenFill>
-            </a:ext>
-            <a:ext uri="{91240B29-F687-4F45-9708-019B960494DF}">
-              <a14:hiddenLine xmlns:a14="http://schemas.microsoft.com/office/drawing/2010/main" w="9525">
-                <a:solidFill>
-                  <a:srgbClr val="000000"/>
-                </a:solidFill>
-                <a:miter lim="800000"/>
-                <a:headEnd/>
-                <a:tailEnd/>
-              </a14:hiddenLine>
-            </a:ext>
-            <a:ext uri="{AF507438-7753-43E0-B8FC-AC1667EBCBE1}">
-              <a14:hiddenEffects xmlns:a14="http://schemas.microsoft.com/office/drawing/2010/main">
-                <a:effectLst>
-                  <a:outerShdw dist="35921" dir="2700000" algn="ctr" rotWithShape="0">
-                    <a:srgbClr val="808080"/>
-                  </a:outerShdw>
-                </a:effectLst>
-              </a14:hiddenEffects>
-            </a:ext>
-          </a:extLst>
-        </p:spPr>
-      </p:pic>
+                <a:latin typeface="MicrosoftYaHei"/>
+              </a:rPr>
+              <a:t>GRAPHICS LABORATORY</a:t>
+            </a:r>
+            <a:endParaRPr lang="zh-CN" altLang="en-US" dirty="0"/>
+          </a:p>
+        </p:txBody>
+      </p:sp>
     </p:spTree>
+    <p:extLst>
+      <p:ext uri="{BB962C8B-B14F-4D97-AF65-F5344CB8AC3E}">
+        <p14:creationId xmlns:p14="http://schemas.microsoft.com/office/powerpoint/2010/main" val="1226259202"/>
+      </p:ext>
+    </p:extLst>
   </p:cSld>
   <p:clrMapOvr>
     <a:masterClrMapping/>
